--- a/arch/Проект Микросервисаня архитектура.pptx
+++ b/arch/Проект Микросервисаня архитектура.pptx
@@ -27,6 +27,8 @@
     <p:sldId id="268" r:id="rId22"/>
     <p:sldId id="269" r:id="rId23"/>
     <p:sldId id="270" r:id="rId24"/>
+    <p:sldId id="271" r:id="rId25"/>
+    <p:sldId id="272" r:id="rId26"/>
   </p:sldIdLst>
   <p:sldSz cx="9144000" cy="5143500"/>
   <p:notesSz cx="7559675" cy="10691813"/>
@@ -64,7 +66,7 @@
         <p:txBody>
           <a:bodyPr/>
           <a:p>
-            <a:fld id="{CF4D6E80-EDDD-409A-8C4D-200D941C8148}" type="slidenum">
+            <a:fld id="{F3EC0AA5-D3D5-4E2A-8E35-212659A7D4DC}" type="slidenum">
               <a:t>&lt;#&gt;</a:t>
             </a:fld>
           </a:p>
@@ -211,7 +213,7 @@
         <p:txBody>
           <a:bodyPr/>
           <a:p>
-            <a:fld id="{71C9EADC-7D4D-4125-A0DE-ECF0AA42F106}" type="slidenum">
+            <a:fld id="{D34F7647-F7B7-4DFB-967E-8D5AC4D29AEE}" type="slidenum">
               <a:t>&lt;#&gt;</a:t>
             </a:fld>
           </a:p>
@@ -426,7 +428,7 @@
         <p:txBody>
           <a:bodyPr/>
           <a:p>
-            <a:fld id="{BC64AFF6-C2E8-4A1B-B0E8-C42437DB2910}" type="slidenum">
+            <a:fld id="{6282371D-BC5A-4A92-BEC3-550929C178B1}" type="slidenum">
               <a:t>&lt;#&gt;</a:t>
             </a:fld>
           </a:p>
@@ -709,7 +711,7 @@
         <p:txBody>
           <a:bodyPr/>
           <a:p>
-            <a:fld id="{385B83AB-B34C-44F1-B1A5-F1FB11200BAD}" type="slidenum">
+            <a:fld id="{06C83B35-F20D-4C4C-B88F-382515C2C33F}" type="slidenum">
               <a:t>&lt;#&gt;</a:t>
             </a:fld>
           </a:p>
@@ -751,7 +753,7 @@
         <p:txBody>
           <a:bodyPr/>
           <a:p>
-            <a:fld id="{F60C9A1C-3B87-4D44-BFDE-8318700E3CB1}" type="slidenum">
+            <a:fld id="{331EE20C-267D-4FD8-B0B5-4253334F059D}" type="slidenum">
               <a:t>&lt;#&gt;</a:t>
             </a:fld>
           </a:p>
@@ -867,7 +869,7 @@
         <p:txBody>
           <a:bodyPr/>
           <a:p>
-            <a:fld id="{2B45AB18-97E5-4360-9A36-5E5A462EC9E6}" type="slidenum">
+            <a:fld id="{06F812E7-BE41-4880-A7C5-716AC22BFE7C}" type="slidenum">
               <a:t>&lt;#&gt;</a:t>
             </a:fld>
           </a:p>
@@ -980,7 +982,7 @@
         <p:txBody>
           <a:bodyPr/>
           <a:p>
-            <a:fld id="{769C6DDA-E53F-4A61-BCCD-F61405CDB3E5}" type="slidenum">
+            <a:fld id="{63C52E59-6090-4447-8873-DB942356FF2E}" type="slidenum">
               <a:t>&lt;#&gt;</a:t>
             </a:fld>
           </a:p>
@@ -1127,7 +1129,7 @@
         <p:txBody>
           <a:bodyPr/>
           <a:p>
-            <a:fld id="{F35C3D5E-2C54-47C7-AC4D-B5F58C26C649}" type="slidenum">
+            <a:fld id="{7B99592F-91AF-450A-8D9F-E45AE0D5C249}" type="slidenum">
               <a:t>&lt;#&gt;</a:t>
             </a:fld>
           </a:p>
@@ -1206,7 +1208,7 @@
         <p:txBody>
           <a:bodyPr/>
           <a:p>
-            <a:fld id="{DBC84007-81C2-475D-AB8D-BE77A23BD430}" type="slidenum">
+            <a:fld id="{A83619E3-6AD5-43A2-AC7F-920095C06128}" type="slidenum">
               <a:t>&lt;#&gt;</a:t>
             </a:fld>
           </a:p>
@@ -1285,7 +1287,7 @@
         <p:txBody>
           <a:bodyPr/>
           <a:p>
-            <a:fld id="{D6B43BB1-D2F2-47C9-9966-78A44C5804D5}" type="slidenum">
+            <a:fld id="{82E3A614-5785-4E6E-B611-1138D21BBE59}" type="slidenum">
               <a:t>&lt;#&gt;</a:t>
             </a:fld>
           </a:p>
@@ -1466,7 +1468,7 @@
         <p:txBody>
           <a:bodyPr/>
           <a:p>
-            <a:fld id="{C24EB335-01DB-47C4-AF97-3801A6708F0E}" type="slidenum">
+            <a:fld id="{AD059A1F-00F9-4815-A8FE-0083605E8B5B}" type="slidenum">
               <a:t>&lt;#&gt;</a:t>
             </a:fld>
           </a:p>
@@ -1582,7 +1584,7 @@
         <p:txBody>
           <a:bodyPr/>
           <a:p>
-            <a:fld id="{1B693E6B-E06B-4899-A93D-092C47C3B8BA}" type="slidenum">
+            <a:fld id="{F2B30884-EC43-4C3A-8690-091F2787F485}" type="slidenum">
               <a:t>&lt;#&gt;</a:t>
             </a:fld>
           </a:p>
@@ -1763,7 +1765,7 @@
         <p:txBody>
           <a:bodyPr/>
           <a:p>
-            <a:fld id="{D3F143E8-ECDB-44F7-9154-36049CF5B003}" type="slidenum">
+            <a:fld id="{2D25558B-DF52-4595-8C68-63797360037F}" type="slidenum">
               <a:t>&lt;#&gt;</a:t>
             </a:fld>
           </a:p>
@@ -1944,7 +1946,7 @@
         <p:txBody>
           <a:bodyPr/>
           <a:p>
-            <a:fld id="{1BA43B5B-D56E-46C2-87D7-60B7D5A056F5}" type="slidenum">
+            <a:fld id="{34019737-7AA1-4700-A398-FC3CDDE5BC79}" type="slidenum">
               <a:t>&lt;#&gt;</a:t>
             </a:fld>
           </a:p>
@@ -2091,7 +2093,7 @@
         <p:txBody>
           <a:bodyPr/>
           <a:p>
-            <a:fld id="{004868D9-B576-4F7D-8928-4AF8D0929011}" type="slidenum">
+            <a:fld id="{00F5F711-8E19-4ED1-A117-E96AB61BB16A}" type="slidenum">
               <a:t>&lt;#&gt;</a:t>
             </a:fld>
           </a:p>
@@ -2306,7 +2308,7 @@
         <p:txBody>
           <a:bodyPr/>
           <a:p>
-            <a:fld id="{342DD9BA-BD1F-4838-8C72-BD21DF32D917}" type="slidenum">
+            <a:fld id="{3EA9869D-B235-489F-A4AE-EEADFF40411D}" type="slidenum">
               <a:t>&lt;#&gt;</a:t>
             </a:fld>
           </a:p>
@@ -2589,7 +2591,7 @@
         <p:txBody>
           <a:bodyPr/>
           <a:p>
-            <a:fld id="{1CBA884F-6C70-4A18-A327-2AC6C13EBD4B}" type="slidenum">
+            <a:fld id="{515CAFF4-4AB5-4AF0-966A-DC58B3018B45}" type="slidenum">
               <a:t>&lt;#&gt;</a:t>
             </a:fld>
           </a:p>
@@ -2631,7 +2633,7 @@
         <p:txBody>
           <a:bodyPr/>
           <a:p>
-            <a:fld id="{5236EC24-4A19-4C88-AE5C-8AE9EC6C7BAE}" type="slidenum">
+            <a:fld id="{27F9B7BE-0B66-4228-8844-E0814746AD7B}" type="slidenum">
               <a:t>&lt;#&gt;</a:t>
             </a:fld>
           </a:p>
@@ -2747,7 +2749,7 @@
         <p:txBody>
           <a:bodyPr/>
           <a:p>
-            <a:fld id="{6022CEE9-0F44-44DE-87D2-61C8B8537406}" type="slidenum">
+            <a:fld id="{E39A28D0-07D9-4619-AFFC-7D30CEAC282E}" type="slidenum">
               <a:t>&lt;#&gt;</a:t>
             </a:fld>
           </a:p>
@@ -2860,7 +2862,7 @@
         <p:txBody>
           <a:bodyPr/>
           <a:p>
-            <a:fld id="{2DF358F2-AD6A-44EF-88DA-8291CAAD123D}" type="slidenum">
+            <a:fld id="{E6D0C2C1-F91D-453B-ABFE-BE76D3C4DEA9}" type="slidenum">
               <a:t>&lt;#&gt;</a:t>
             </a:fld>
           </a:p>
@@ -3007,7 +3009,7 @@
         <p:txBody>
           <a:bodyPr/>
           <a:p>
-            <a:fld id="{32D36960-6C18-4B4C-AACC-D8CCC683863E}" type="slidenum">
+            <a:fld id="{2E8872AF-B23D-4D2E-8AB8-75AB3D54580E}" type="slidenum">
               <a:t>&lt;#&gt;</a:t>
             </a:fld>
           </a:p>
@@ -3086,7 +3088,7 @@
         <p:txBody>
           <a:bodyPr/>
           <a:p>
-            <a:fld id="{C0ACCAC1-01E2-4004-BF55-81AE19787C61}" type="slidenum">
+            <a:fld id="{AA9E340E-072C-4720-9408-4A925ABFD388}" type="slidenum">
               <a:t>&lt;#&gt;</a:t>
             </a:fld>
           </a:p>
@@ -3199,7 +3201,7 @@
         <p:txBody>
           <a:bodyPr/>
           <a:p>
-            <a:fld id="{02A6001B-0824-4869-869C-AE80947F0497}" type="slidenum">
+            <a:fld id="{039AC315-3ABC-4B30-84A1-EE66FF6EF0B8}" type="slidenum">
               <a:t>&lt;#&gt;</a:t>
             </a:fld>
           </a:p>
@@ -3278,7 +3280,7 @@
         <p:txBody>
           <a:bodyPr/>
           <a:p>
-            <a:fld id="{8DB683EA-EC17-44F1-819A-B96AE855A31F}" type="slidenum">
+            <a:fld id="{DAA60609-B47F-4425-887E-737CD5C77ABC}" type="slidenum">
               <a:t>&lt;#&gt;</a:t>
             </a:fld>
           </a:p>
@@ -3459,7 +3461,7 @@
         <p:txBody>
           <a:bodyPr/>
           <a:p>
-            <a:fld id="{C180BEFC-82CB-4A81-8D9A-84C72FB4AAE9}" type="slidenum">
+            <a:fld id="{9989FEAA-FF0B-4084-894F-64D39CB62259}" type="slidenum">
               <a:t>&lt;#&gt;</a:t>
             </a:fld>
           </a:p>
@@ -3640,7 +3642,7 @@
         <p:txBody>
           <a:bodyPr/>
           <a:p>
-            <a:fld id="{780255C1-8AEE-408F-8E61-B0BCC59B7CBE}" type="slidenum">
+            <a:fld id="{38258827-0028-403F-9DF7-86C643A2ADF3}" type="slidenum">
               <a:t>&lt;#&gt;</a:t>
             </a:fld>
           </a:p>
@@ -3821,7 +3823,7 @@
         <p:txBody>
           <a:bodyPr/>
           <a:p>
-            <a:fld id="{8BFCB4DB-3D43-4D02-9D96-78A7AEB48E14}" type="slidenum">
+            <a:fld id="{D948D36A-AED2-46B3-8AB5-C13ABECAE47A}" type="slidenum">
               <a:t>&lt;#&gt;</a:t>
             </a:fld>
           </a:p>
@@ -3968,7 +3970,7 @@
         <p:txBody>
           <a:bodyPr/>
           <a:p>
-            <a:fld id="{F8E608BB-A4D2-4DF7-8ECE-1F49315675F2}" type="slidenum">
+            <a:fld id="{5D7B782A-9BE6-4F3A-A41D-FBC44AC941D5}" type="slidenum">
               <a:t>&lt;#&gt;</a:t>
             </a:fld>
           </a:p>
@@ -4183,7 +4185,7 @@
         <p:txBody>
           <a:bodyPr/>
           <a:p>
-            <a:fld id="{59F6BF21-5B77-40F5-B6CF-ED1C334DBCC5}" type="slidenum">
+            <a:fld id="{B0A42C6C-0EBA-4C0A-A8E9-6C294988C60E}" type="slidenum">
               <a:t>&lt;#&gt;</a:t>
             </a:fld>
           </a:p>
@@ -4466,7 +4468,7 @@
         <p:txBody>
           <a:bodyPr/>
           <a:p>
-            <a:fld id="{FB516FD1-C855-4301-A3E7-8441733B94B7}" type="slidenum">
+            <a:fld id="{9D77C275-C3BA-4E14-877C-C4CBD83D74E4}" type="slidenum">
               <a:t>&lt;#&gt;</a:t>
             </a:fld>
           </a:p>
@@ -4824,7 +4826,7 @@
         <p:txBody>
           <a:bodyPr/>
           <a:p>
-            <a:fld id="{2F9DBD31-A9F3-4789-B1A3-10D4109C379D}" type="slidenum">
+            <a:fld id="{BD261C9F-3766-42E0-9050-21A36A5EF708}" type="slidenum">
               <a:t>&lt;#&gt;</a:t>
             </a:fld>
           </a:p>
@@ -6238,7 +6240,7 @@
         <p:txBody>
           <a:bodyPr/>
           <a:p>
-            <a:fld id="{6A28CC19-F1A7-481D-AA52-1B9934242EEF}" type="slidenum">
+            <a:fld id="{9EC2B20B-75FE-4A3F-A7BA-20FB0ED0DA8A}" type="slidenum">
               <a:t>&lt;#&gt;</a:t>
             </a:fld>
           </a:p>
@@ -7556,7 +7558,7 @@
         <p:txBody>
           <a:bodyPr/>
           <a:p>
-            <a:fld id="{176D20C8-0B9E-4B13-A33D-8878441A3ED3}" type="slidenum">
+            <a:fld id="{23B97C08-826D-4B44-946F-20A207798F61}" type="slidenum">
               <a:t>&lt;#&gt;</a:t>
             </a:fld>
           </a:p>
@@ -7861,7 +7863,7 @@
         <p:txBody>
           <a:bodyPr/>
           <a:p>
-            <a:fld id="{D0CA987D-50E6-4D44-A09A-638269AE16D9}" type="slidenum">
+            <a:fld id="{5F93012D-4265-442C-9A5A-71DA997E4515}" type="slidenum">
               <a:t>&lt;#&gt;</a:t>
             </a:fld>
           </a:p>
@@ -7977,7 +7979,7 @@
         <p:txBody>
           <a:bodyPr/>
           <a:p>
-            <a:fld id="{89341F6A-3D72-48F5-909E-3DE06CA46BCF}" type="slidenum">
+            <a:fld id="{6A296873-A993-444B-A4F5-4A371DC48F15}" type="slidenum">
               <a:t>&lt;#&gt;</a:t>
             </a:fld>
           </a:p>
@@ -8090,7 +8092,7 @@
         <p:txBody>
           <a:bodyPr/>
           <a:p>
-            <a:fld id="{65A9A604-652F-4927-871C-9EBAD74E0E92}" type="slidenum">
+            <a:fld id="{DEF6523B-A202-4FA3-A440-056E938A64F5}" type="slidenum">
               <a:t>&lt;#&gt;</a:t>
             </a:fld>
           </a:p>
@@ -8237,7 +8239,7 @@
         <p:txBody>
           <a:bodyPr/>
           <a:p>
-            <a:fld id="{B67B7A6D-9443-4849-B74F-95CA4116E096}" type="slidenum">
+            <a:fld id="{551FA23B-6AE2-4229-B63C-1A3568065393}" type="slidenum">
               <a:t>&lt;#&gt;</a:t>
             </a:fld>
           </a:p>
@@ -8316,7 +8318,7 @@
         <p:txBody>
           <a:bodyPr/>
           <a:p>
-            <a:fld id="{D41A1D1E-F549-4B43-9FAE-D497202E223F}" type="slidenum">
+            <a:fld id="{54BA03F0-4731-447D-9E44-999B066C50AE}" type="slidenum">
               <a:t>&lt;#&gt;</a:t>
             </a:fld>
           </a:p>
@@ -8395,7 +8397,7 @@
         <p:txBody>
           <a:bodyPr/>
           <a:p>
-            <a:fld id="{76F499F5-4319-43A6-998A-48641D36D696}" type="slidenum">
+            <a:fld id="{C34C1E8A-F922-48F7-A8C2-FAC1718A6166}" type="slidenum">
               <a:t>&lt;#&gt;</a:t>
             </a:fld>
           </a:p>
@@ -8576,7 +8578,7 @@
         <p:txBody>
           <a:bodyPr/>
           <a:p>
-            <a:fld id="{E8C15C30-5ECA-4D89-B5ED-E3F4A880023B}" type="slidenum">
+            <a:fld id="{908D97AB-6A7C-41D0-B9A7-F94F8DCC1AAC}" type="slidenum">
               <a:t>&lt;#&gt;</a:t>
             </a:fld>
           </a:p>
@@ -8757,7 +8759,7 @@
         <p:txBody>
           <a:bodyPr/>
           <a:p>
-            <a:fld id="{0550F05B-8AF8-419B-BBA5-44E8EFAEDF9A}" type="slidenum">
+            <a:fld id="{949B6F81-A453-40B6-8CEA-CC219EEC781D}" type="slidenum">
               <a:t>&lt;#&gt;</a:t>
             </a:fld>
           </a:p>
@@ -8938,7 +8940,7 @@
         <p:txBody>
           <a:bodyPr/>
           <a:p>
-            <a:fld id="{6E076C89-B3F7-438F-BAFC-4824397FA857}" type="slidenum">
+            <a:fld id="{E7642186-991E-4310-8611-7DC10CF924B5}" type="slidenum">
               <a:t>&lt;#&gt;</a:t>
             </a:fld>
           </a:p>
@@ -9119,7 +9121,7 @@
         <p:txBody>
           <a:bodyPr/>
           <a:p>
-            <a:fld id="{2384C521-3E3D-4ACC-9883-83FB3AB49B28}" type="slidenum">
+            <a:fld id="{36E5DABF-3185-47E6-A615-2A216E9388E7}" type="slidenum">
               <a:t>&lt;#&gt;</a:t>
             </a:fld>
           </a:p>
@@ -9266,7 +9268,7 @@
         <p:txBody>
           <a:bodyPr/>
           <a:p>
-            <a:fld id="{66F3A3F7-41C0-48E0-933F-2B4816408D0F}" type="slidenum">
+            <a:fld id="{063AE077-C4EC-4DE8-9AF2-69031A7674ED}" type="slidenum">
               <a:t>&lt;#&gt;</a:t>
             </a:fld>
           </a:p>
@@ -9481,7 +9483,7 @@
         <p:txBody>
           <a:bodyPr/>
           <a:p>
-            <a:fld id="{CC644309-F7D8-4837-AEEE-F82377D7B270}" type="slidenum">
+            <a:fld id="{5BF27B40-2F72-4F55-95B5-FE335CB2F567}" type="slidenum">
               <a:t>&lt;#&gt;</a:t>
             </a:fld>
           </a:p>
@@ -9764,7 +9766,7 @@
         <p:txBody>
           <a:bodyPr/>
           <a:p>
-            <a:fld id="{1BC41170-E505-41C1-A145-69ECE8645B8F}" type="slidenum">
+            <a:fld id="{E1C67DF1-05ED-4131-B19E-FD07071ABA56}" type="slidenum">
               <a:t>&lt;#&gt;</a:t>
             </a:fld>
           </a:p>
@@ -9806,7 +9808,7 @@
         <p:txBody>
           <a:bodyPr/>
           <a:p>
-            <a:fld id="{C956E94F-B70A-4424-BE92-87B64D5D16E3}" type="slidenum">
+            <a:fld id="{CD96355B-F9A4-45AF-98CD-29FB4496092A}" type="slidenum">
               <a:t>&lt;#&gt;</a:t>
             </a:fld>
           </a:p>
@@ -9922,7 +9924,7 @@
         <p:txBody>
           <a:bodyPr/>
           <a:p>
-            <a:fld id="{D7F6C944-914A-4086-8355-A6258BC7CF4A}" type="slidenum">
+            <a:fld id="{A1609E83-9B0E-4031-8F4B-ACCE1F2306B8}" type="slidenum">
               <a:t>&lt;#&gt;</a:t>
             </a:fld>
           </a:p>
@@ -10035,7 +10037,7 @@
         <p:txBody>
           <a:bodyPr/>
           <a:p>
-            <a:fld id="{1C29B7E9-F379-442D-8435-E21EA79C4FD2}" type="slidenum">
+            <a:fld id="{4FED7A1A-D1B1-4DAB-B641-5BABCE123DDB}" type="slidenum">
               <a:t>&lt;#&gt;</a:t>
             </a:fld>
           </a:p>
@@ -10182,7 +10184,7 @@
         <p:txBody>
           <a:bodyPr/>
           <a:p>
-            <a:fld id="{08FAC0DA-910B-4D5A-9829-44E1B51B2451}" type="slidenum">
+            <a:fld id="{E04D009F-AE3B-4929-BA78-9C9364DB55D9}" type="slidenum">
               <a:t>&lt;#&gt;</a:t>
             </a:fld>
           </a:p>
@@ -10261,7 +10263,7 @@
         <p:txBody>
           <a:bodyPr/>
           <a:p>
-            <a:fld id="{46026007-BAE4-4913-A0AE-D4B98F16E96F}" type="slidenum">
+            <a:fld id="{2FF6786D-7196-41C9-8FDA-ABF0B9B049EE}" type="slidenum">
               <a:t>&lt;#&gt;</a:t>
             </a:fld>
           </a:p>
@@ -10340,7 +10342,7 @@
         <p:txBody>
           <a:bodyPr/>
           <a:p>
-            <a:fld id="{C0635468-BB37-4C65-9754-D05198660B12}" type="slidenum">
+            <a:fld id="{7914292E-912E-499D-A5B7-90187DF72F7C}" type="slidenum">
               <a:t>&lt;#&gt;</a:t>
             </a:fld>
           </a:p>
@@ -10521,7 +10523,7 @@
         <p:txBody>
           <a:bodyPr/>
           <a:p>
-            <a:fld id="{FE56A232-7735-43EB-B9A1-20D2430116B8}" type="slidenum">
+            <a:fld id="{DD40263E-B44D-48F6-80B5-61F4D8E16422}" type="slidenum">
               <a:t>&lt;#&gt;</a:t>
             </a:fld>
           </a:p>
@@ -10702,7 +10704,7 @@
         <p:txBody>
           <a:bodyPr/>
           <a:p>
-            <a:fld id="{89199299-761C-46C5-9CE4-86368E9B064B}" type="slidenum">
+            <a:fld id="{F82EA009-B459-446B-9EFE-F06CC5E1C536}" type="slidenum">
               <a:t>&lt;#&gt;</a:t>
             </a:fld>
           </a:p>
@@ -10883,7 +10885,7 @@
         <p:txBody>
           <a:bodyPr/>
           <a:p>
-            <a:fld id="{E46B7624-AB72-4DD3-95F0-37216D843239}" type="slidenum">
+            <a:fld id="{E2CEA572-065D-464B-8EFA-AAAA44B7D932}" type="slidenum">
               <a:t>&lt;#&gt;</a:t>
             </a:fld>
           </a:p>
@@ -11064,7 +11066,7 @@
         <p:txBody>
           <a:bodyPr/>
           <a:p>
-            <a:fld id="{5032742A-BA01-40BE-8FCA-40BC77642909}" type="slidenum">
+            <a:fld id="{EDD71BC6-0614-4195-80AF-5A1974979014}" type="slidenum">
               <a:t>&lt;#&gt;</a:t>
             </a:fld>
           </a:p>
@@ -11211,7 +11213,7 @@
         <p:txBody>
           <a:bodyPr/>
           <a:p>
-            <a:fld id="{5A4B7FF5-6643-4BCC-B74A-BE0AC0E0736E}" type="slidenum">
+            <a:fld id="{A365739C-0641-4338-87BD-085FD8090099}" type="slidenum">
               <a:t>&lt;#&gt;</a:t>
             </a:fld>
           </a:p>
@@ -11426,7 +11428,7 @@
         <p:txBody>
           <a:bodyPr/>
           <a:p>
-            <a:fld id="{EB2D7663-B899-4F5B-AAB1-0F7FDCED3CE0}" type="slidenum">
+            <a:fld id="{EDE0C9C5-5B08-4AB5-8FEC-F5276F0FAA58}" type="slidenum">
               <a:t>&lt;#&gt;</a:t>
             </a:fld>
           </a:p>
@@ -11709,7 +11711,7 @@
         <p:txBody>
           <a:bodyPr/>
           <a:p>
-            <a:fld id="{64C8F267-D1E5-47B9-8E4D-A76CE48C5FBB}" type="slidenum">
+            <a:fld id="{D3262FB5-E474-47DA-99A7-07829B2FD389}" type="slidenum">
               <a:t>&lt;#&gt;</a:t>
             </a:fld>
           </a:p>
@@ -11751,7 +11753,7 @@
         <p:txBody>
           <a:bodyPr/>
           <a:p>
-            <a:fld id="{458416C4-7EE9-4767-8BE5-94600685787D}" type="slidenum">
+            <a:fld id="{C9BF671B-EE43-4669-88C9-3D4D1BC8F087}" type="slidenum">
               <a:t>&lt;#&gt;</a:t>
             </a:fld>
           </a:p>
@@ -11867,7 +11869,7 @@
         <p:txBody>
           <a:bodyPr/>
           <a:p>
-            <a:fld id="{C2B76349-501B-4845-955F-CB1B66C73D78}" type="slidenum">
+            <a:fld id="{3D5587B0-C170-4D03-941F-31CC95F3A361}" type="slidenum">
               <a:t>&lt;#&gt;</a:t>
             </a:fld>
           </a:p>
@@ -11980,7 +11982,7 @@
         <p:txBody>
           <a:bodyPr/>
           <a:p>
-            <a:fld id="{844607BA-E9A1-46A3-BDB5-FDF0735B5AD1}" type="slidenum">
+            <a:fld id="{B5DFACB7-9903-4165-90CB-663169998995}" type="slidenum">
               <a:t>&lt;#&gt;</a:t>
             </a:fld>
           </a:p>
@@ -12127,7 +12129,7 @@
         <p:txBody>
           <a:bodyPr/>
           <a:p>
-            <a:fld id="{168EA146-6EE7-444B-8E4E-6223BD05A521}" type="slidenum">
+            <a:fld id="{C07666AD-8C85-4CF2-8E67-E4AB16A0EEBF}" type="slidenum">
               <a:t>&lt;#&gt;</a:t>
             </a:fld>
           </a:p>
@@ -12206,7 +12208,7 @@
         <p:txBody>
           <a:bodyPr/>
           <a:p>
-            <a:fld id="{7B181B1F-DBD8-4928-AAEA-3CE40555DA1E}" type="slidenum">
+            <a:fld id="{7CA6EAE3-2A85-4B2E-B9B8-23304B3C87DA}" type="slidenum">
               <a:t>&lt;#&gt;</a:t>
             </a:fld>
           </a:p>
@@ -12387,7 +12389,7 @@
         <p:txBody>
           <a:bodyPr/>
           <a:p>
-            <a:fld id="{A47BFE0B-A728-4CC0-9C85-AAF871CA9530}" type="slidenum">
+            <a:fld id="{2C49210A-671A-4D77-8F74-38A3F845ABF0}" type="slidenum">
               <a:t>&lt;#&gt;</a:t>
             </a:fld>
           </a:p>
@@ -12466,7 +12468,7 @@
         <p:txBody>
           <a:bodyPr/>
           <a:p>
-            <a:fld id="{2E1F29F8-F5D1-444D-BF5A-EE721F93F09E}" type="slidenum">
+            <a:fld id="{42B110CF-1F0E-4098-83CF-668F829D9D17}" type="slidenum">
               <a:t>&lt;#&gt;</a:t>
             </a:fld>
           </a:p>
@@ -12647,7 +12649,7 @@
         <p:txBody>
           <a:bodyPr/>
           <a:p>
-            <a:fld id="{B24C87AD-50CE-475E-ADF4-6A2BFEFB1001}" type="slidenum">
+            <a:fld id="{A00178B8-92F9-4B35-BDED-93461CADDF68}" type="slidenum">
               <a:t>&lt;#&gt;</a:t>
             </a:fld>
           </a:p>
@@ -12828,7 +12830,7 @@
         <p:txBody>
           <a:bodyPr/>
           <a:p>
-            <a:fld id="{05F1B183-BEEC-4B92-8DCF-1059F8C7DC08}" type="slidenum">
+            <a:fld id="{09CC63DE-30B9-42D3-BCCD-C15549B64F95}" type="slidenum">
               <a:t>&lt;#&gt;</a:t>
             </a:fld>
           </a:p>
@@ -13009,7 +13011,7 @@
         <p:txBody>
           <a:bodyPr/>
           <a:p>
-            <a:fld id="{6B10083C-0AEE-4587-BD44-2DCA468BC963}" type="slidenum">
+            <a:fld id="{15BAD285-3292-4FCE-8F20-083AD5FCC683}" type="slidenum">
               <a:t>&lt;#&gt;</a:t>
             </a:fld>
           </a:p>
@@ -13156,7 +13158,7 @@
         <p:txBody>
           <a:bodyPr/>
           <a:p>
-            <a:fld id="{A90E6193-A83A-49B7-982D-566B65950CB8}" type="slidenum">
+            <a:fld id="{B0B15324-617C-42E5-A404-1962E42A0BD0}" type="slidenum">
               <a:t>&lt;#&gt;</a:t>
             </a:fld>
           </a:p>
@@ -13371,7 +13373,7 @@
         <p:txBody>
           <a:bodyPr/>
           <a:p>
-            <a:fld id="{BE5C2EDE-A8C5-4411-97C0-0EC762869921}" type="slidenum">
+            <a:fld id="{D26B43ED-72DA-495A-971A-E1ED1E3304ED}" type="slidenum">
               <a:t>&lt;#&gt;</a:t>
             </a:fld>
           </a:p>
@@ -13654,7 +13656,7 @@
         <p:txBody>
           <a:bodyPr/>
           <a:p>
-            <a:fld id="{4F9078E3-6AF5-4CB1-95B9-3FA3FBAC272E}" type="slidenum">
+            <a:fld id="{3417C37E-745C-425B-ABC1-122FA152A0A2}" type="slidenum">
               <a:t>&lt;#&gt;</a:t>
             </a:fld>
           </a:p>
@@ -13703,7 +13705,7 @@
         <p:spPr>
           <a:xfrm>
             <a:off x="8472600" y="4663080"/>
-            <a:ext cx="546840" cy="391680"/>
+            <a:ext cx="546120" cy="390960"/>
           </a:xfrm>
           <a:prstGeom prst="rect">
             <a:avLst/>
@@ -13745,7 +13747,7 @@
                 <a:tab algn="l" pos="0"/>
               </a:tabLst>
             </a:pPr>
-            <a:fld id="{0BAD0124-6084-4F15-90E7-F09219CF199A}" type="slidenum">
+            <a:fld id="{C41732C7-7CD3-48BE-B8C8-EF803D2D450A}" type="slidenum">
               <a:rPr b="0" lang="ru" sz="1000" spc="-1" strike="noStrike">
                 <a:solidFill>
                   <a:srgbClr val="595959"/>
@@ -14285,7 +14287,7 @@
         <p:spPr>
           <a:xfrm>
             <a:off x="8472600" y="4663080"/>
-            <a:ext cx="546840" cy="391680"/>
+            <a:ext cx="546120" cy="390960"/>
           </a:xfrm>
           <a:prstGeom prst="rect">
             <a:avLst/>
@@ -14327,7 +14329,7 @@
                 <a:tab algn="l" pos="0"/>
               </a:tabLst>
             </a:pPr>
-            <a:fld id="{EB7AF482-B762-49C5-BE66-E78B6EC3E8CF}" type="slidenum">
+            <a:fld id="{B74FB2D2-28F5-4F27-A66F-0FEAFBE12A8E}" type="slidenum">
               <a:rPr b="0" lang="ru" sz="1000" spc="-1" strike="noStrike">
                 <a:solidFill>
                   <a:srgbClr val="6402ba"/>
@@ -14378,7 +14380,247 @@
               <a:rPr b="0" lang="ru-RU" sz="4400" spc="-1" strike="noStrike">
                 <a:latin typeface="Arial"/>
               </a:rPr>
-              <a:t>Для правки текста заглавия щёлкните мышью</a:t>
+              <a:t>Д</a:t>
+            </a:r>
+            <a:r>
+              <a:rPr b="0" lang="ru-RU" sz="4400" spc="-1" strike="noStrike">
+                <a:latin typeface="Arial"/>
+              </a:rPr>
+              <a:t>л</a:t>
+            </a:r>
+            <a:r>
+              <a:rPr b="0" lang="ru-RU" sz="4400" spc="-1" strike="noStrike">
+                <a:latin typeface="Arial"/>
+              </a:rPr>
+              <a:t>я</a:t>
+            </a:r>
+            <a:r>
+              <a:rPr b="0" lang="ru-RU" sz="4400" spc="-1" strike="noStrike">
+                <a:latin typeface="Arial"/>
+              </a:rPr>
+              <a:t> </a:t>
+            </a:r>
+            <a:r>
+              <a:rPr b="0" lang="ru-RU" sz="4400" spc="-1" strike="noStrike">
+                <a:latin typeface="Arial"/>
+              </a:rPr>
+              <a:t>п</a:t>
+            </a:r>
+            <a:r>
+              <a:rPr b="0" lang="ru-RU" sz="4400" spc="-1" strike="noStrike">
+                <a:latin typeface="Arial"/>
+              </a:rPr>
+              <a:t>р</a:t>
+            </a:r>
+            <a:r>
+              <a:rPr b="0" lang="ru-RU" sz="4400" spc="-1" strike="noStrike">
+                <a:latin typeface="Arial"/>
+              </a:rPr>
+              <a:t>а</a:t>
+            </a:r>
+            <a:r>
+              <a:rPr b="0" lang="ru-RU" sz="4400" spc="-1" strike="noStrike">
+                <a:latin typeface="Arial"/>
+              </a:rPr>
+              <a:t>в</a:t>
+            </a:r>
+            <a:r>
+              <a:rPr b="0" lang="ru-RU" sz="4400" spc="-1" strike="noStrike">
+                <a:latin typeface="Arial"/>
+              </a:rPr>
+              <a:t>к</a:t>
+            </a:r>
+            <a:r>
+              <a:rPr b="0" lang="ru-RU" sz="4400" spc="-1" strike="noStrike">
+                <a:latin typeface="Arial"/>
+              </a:rPr>
+              <a:t>и</a:t>
+            </a:r>
+            <a:r>
+              <a:rPr b="0" lang="ru-RU" sz="4400" spc="-1" strike="noStrike">
+                <a:latin typeface="Arial"/>
+              </a:rPr>
+              <a:t> </a:t>
+            </a:r>
+            <a:r>
+              <a:rPr b="0" lang="ru-RU" sz="4400" spc="-1" strike="noStrike">
+                <a:latin typeface="Arial"/>
+              </a:rPr>
+              <a:t>т</a:t>
+            </a:r>
+            <a:r>
+              <a:rPr b="0" lang="ru-RU" sz="4400" spc="-1" strike="noStrike">
+                <a:latin typeface="Arial"/>
+              </a:rPr>
+              <a:t>е</a:t>
+            </a:r>
+            <a:r>
+              <a:rPr b="0" lang="ru-RU" sz="4400" spc="-1" strike="noStrike">
+                <a:latin typeface="Arial"/>
+              </a:rPr>
+              <a:t>к</a:t>
+            </a:r>
+            <a:r>
+              <a:rPr b="0" lang="ru-RU" sz="4400" spc="-1" strike="noStrike">
+                <a:latin typeface="Arial"/>
+              </a:rPr>
+              <a:t>с</a:t>
+            </a:r>
+            <a:r>
+              <a:rPr b="0" lang="ru-RU" sz="4400" spc="-1" strike="noStrike">
+                <a:latin typeface="Arial"/>
+              </a:rPr>
+              <a:t>т</a:t>
+            </a:r>
+            <a:r>
+              <a:rPr b="0" lang="ru-RU" sz="4400" spc="-1" strike="noStrike">
+                <a:latin typeface="Arial"/>
+              </a:rPr>
+              <a:t>а</a:t>
+            </a:r>
+            <a:r>
+              <a:rPr b="0" lang="ru-RU" sz="4400" spc="-1" strike="noStrike">
+                <a:latin typeface="Arial"/>
+              </a:rPr>
+              <a:t> </a:t>
+            </a:r>
+            <a:r>
+              <a:rPr b="0" lang="ru-RU" sz="4400" spc="-1" strike="noStrike">
+                <a:latin typeface="Arial"/>
+              </a:rPr>
+              <a:t>з</a:t>
+            </a:r>
+            <a:r>
+              <a:rPr b="0" lang="ru-RU" sz="4400" spc="-1" strike="noStrike">
+                <a:latin typeface="Arial"/>
+              </a:rPr>
+              <a:t>а</a:t>
+            </a:r>
+            <a:r>
+              <a:rPr b="0" lang="ru-RU" sz="4400" spc="-1" strike="noStrike">
+                <a:latin typeface="Arial"/>
+              </a:rPr>
+              <a:t>г</a:t>
+            </a:r>
+            <a:r>
+              <a:rPr b="0" lang="ru-RU" sz="4400" spc="-1" strike="noStrike">
+                <a:latin typeface="Arial"/>
+              </a:rPr>
+              <a:t>л</a:t>
+            </a:r>
+            <a:r>
+              <a:rPr b="0" lang="ru-RU" sz="4400" spc="-1" strike="noStrike">
+                <a:latin typeface="Arial"/>
+              </a:rPr>
+              <a:t>а</a:t>
+            </a:r>
+            <a:r>
+              <a:rPr b="0" lang="ru-RU" sz="4400" spc="-1" strike="noStrike">
+                <a:latin typeface="Arial"/>
+              </a:rPr>
+              <a:t>в</a:t>
+            </a:r>
+            <a:r>
+              <a:rPr b="0" lang="ru-RU" sz="4400" spc="-1" strike="noStrike">
+                <a:latin typeface="Arial"/>
+              </a:rPr>
+              <a:t>и</a:t>
+            </a:r>
+            <a:r>
+              <a:rPr b="0" lang="ru-RU" sz="4400" spc="-1" strike="noStrike">
+                <a:latin typeface="Arial"/>
+              </a:rPr>
+              <a:t>я</a:t>
+            </a:r>
+            <a:r>
+              <a:rPr b="0" lang="ru-RU" sz="4400" spc="-1" strike="noStrike">
+                <a:latin typeface="Arial"/>
+              </a:rPr>
+              <a:t> </a:t>
+            </a:r>
+            <a:r>
+              <a:rPr b="0" lang="ru-RU" sz="4400" spc="-1" strike="noStrike">
+                <a:latin typeface="Arial"/>
+              </a:rPr>
+              <a:t>щ</a:t>
+            </a:r>
+            <a:r>
+              <a:rPr b="0" lang="ru-RU" sz="4400" spc="-1" strike="noStrike">
+                <a:latin typeface="Arial"/>
+              </a:rPr>
+              <a:t>ё</a:t>
+            </a:r>
+            <a:r>
+              <a:rPr b="0" lang="ru-RU" sz="4400" spc="-1" strike="noStrike">
+                <a:latin typeface="Arial"/>
+              </a:rPr>
+              <a:t>л</a:t>
+            </a:r>
+            <a:r>
+              <a:rPr b="0" lang="ru-RU" sz="4400" spc="-1" strike="noStrike">
+                <a:latin typeface="Arial"/>
+              </a:rPr>
+              <a:t>к</a:t>
+            </a:r>
+            <a:r>
+              <a:rPr b="0" lang="ru-RU" sz="4400" spc="-1" strike="noStrike">
+                <a:latin typeface="Arial"/>
+              </a:rPr>
+              <a:t>н</a:t>
+            </a:r>
+            <a:r>
+              <a:rPr b="0" lang="ru-RU" sz="4400" spc="-1" strike="noStrike">
+                <a:latin typeface="Arial"/>
+              </a:rPr>
+              <a:t>и</a:t>
+            </a:r>
+            <a:r>
+              <a:rPr b="0" lang="ru-RU" sz="4400" spc="-1" strike="noStrike">
+                <a:latin typeface="Arial"/>
+              </a:rPr>
+              <a:t>т</a:t>
+            </a:r>
+            <a:r>
+              <a:rPr b="0" lang="ru-RU" sz="4400" spc="-1" strike="noStrike">
+                <a:latin typeface="Arial"/>
+              </a:rPr>
+              <a:t>е</a:t>
+            </a:r>
+            <a:r>
+              <a:rPr b="0" lang="ru-RU" sz="4400" spc="-1" strike="noStrike">
+                <a:latin typeface="Arial"/>
+              </a:rPr>
+              <a:t> </a:t>
+            </a:r>
+            <a:r>
+              <a:rPr b="0" lang="ru-RU" sz="4400" spc="-1" strike="noStrike">
+                <a:latin typeface="Arial"/>
+              </a:rPr>
+              <a:t>м</a:t>
+            </a:r>
+            <a:r>
+              <a:rPr b="0" lang="ru-RU" sz="4400" spc="-1" strike="noStrike">
+                <a:latin typeface="Arial"/>
+              </a:rPr>
+              <a:t>ы</a:t>
+            </a:r>
+            <a:r>
+              <a:rPr b="0" lang="ru-RU" sz="4400" spc="-1" strike="noStrike">
+                <a:latin typeface="Arial"/>
+              </a:rPr>
+              <a:t>ш</a:t>
+            </a:r>
+            <a:r>
+              <a:rPr b="0" lang="ru-RU" sz="4400" spc="-1" strike="noStrike">
+                <a:latin typeface="Arial"/>
+              </a:rPr>
+              <a:t>ь</a:t>
+            </a:r>
+            <a:r>
+              <a:rPr b="0" lang="ru-RU" sz="4400" spc="-1" strike="noStrike">
+                <a:latin typeface="Arial"/>
+              </a:rPr>
+              <a:t>ю</a:t>
             </a:r>
             <a:endParaRPr b="0" lang="ru-RU" sz="4400" spc="-1" strike="noStrike">
               <a:latin typeface="Arial"/>
@@ -14646,7 +14888,211 @@
               <a:rPr b="0" lang="ru-RU" sz="1800" spc="-1" strike="noStrike">
                 <a:latin typeface="Arial"/>
               </a:rPr>
-              <a:t>Для правки текста заглавия щёлкните мышью</a:t>
+              <a:t>Д</a:t>
+            </a:r>
+            <a:r>
+              <a:rPr b="0" lang="ru-RU" sz="1800" spc="-1" strike="noStrike">
+                <a:latin typeface="Arial"/>
+              </a:rPr>
+              <a:t>л</a:t>
+            </a:r>
+            <a:r>
+              <a:rPr b="0" lang="ru-RU" sz="1800" spc="-1" strike="noStrike">
+                <a:latin typeface="Arial"/>
+              </a:rPr>
+              <a:t>я </a:t>
+            </a:r>
+            <a:r>
+              <a:rPr b="0" lang="ru-RU" sz="1800" spc="-1" strike="noStrike">
+                <a:latin typeface="Arial"/>
+              </a:rPr>
+              <a:t>п</a:t>
+            </a:r>
+            <a:r>
+              <a:rPr b="0" lang="ru-RU" sz="1800" spc="-1" strike="noStrike">
+                <a:latin typeface="Arial"/>
+              </a:rPr>
+              <a:t>р</a:t>
+            </a:r>
+            <a:r>
+              <a:rPr b="0" lang="ru-RU" sz="1800" spc="-1" strike="noStrike">
+                <a:latin typeface="Arial"/>
+              </a:rPr>
+              <a:t>а</a:t>
+            </a:r>
+            <a:r>
+              <a:rPr b="0" lang="ru-RU" sz="1800" spc="-1" strike="noStrike">
+                <a:latin typeface="Arial"/>
+              </a:rPr>
+              <a:t>в</a:t>
+            </a:r>
+            <a:r>
+              <a:rPr b="0" lang="ru-RU" sz="1800" spc="-1" strike="noStrike">
+                <a:latin typeface="Arial"/>
+              </a:rPr>
+              <a:t>к</a:t>
+            </a:r>
+            <a:r>
+              <a:rPr b="0" lang="ru-RU" sz="1800" spc="-1" strike="noStrike">
+                <a:latin typeface="Arial"/>
+              </a:rPr>
+              <a:t>и </a:t>
+            </a:r>
+            <a:r>
+              <a:rPr b="0" lang="ru-RU" sz="1800" spc="-1" strike="noStrike">
+                <a:latin typeface="Arial"/>
+              </a:rPr>
+              <a:t>т</a:t>
+            </a:r>
+            <a:r>
+              <a:rPr b="0" lang="ru-RU" sz="1800" spc="-1" strike="noStrike">
+                <a:latin typeface="Arial"/>
+              </a:rPr>
+              <a:t>е</a:t>
+            </a:r>
+            <a:r>
+              <a:rPr b="0" lang="ru-RU" sz="1800" spc="-1" strike="noStrike">
+                <a:latin typeface="Arial"/>
+              </a:rPr>
+              <a:t>к</a:t>
+            </a:r>
+            <a:r>
+              <a:rPr b="0" lang="ru-RU" sz="1800" spc="-1" strike="noStrike">
+                <a:latin typeface="Arial"/>
+              </a:rPr>
+              <a:t>с</a:t>
+            </a:r>
+            <a:r>
+              <a:rPr b="0" lang="ru-RU" sz="1800" spc="-1" strike="noStrike">
+                <a:latin typeface="Arial"/>
+              </a:rPr>
+              <a:t>т</a:t>
+            </a:r>
+            <a:r>
+              <a:rPr b="0" lang="ru-RU" sz="1800" spc="-1" strike="noStrike">
+                <a:latin typeface="Arial"/>
+              </a:rPr>
+              <a:t>а </a:t>
+            </a:r>
+            <a:r>
+              <a:rPr b="0" lang="ru-RU" sz="1800" spc="-1" strike="noStrike">
+                <a:latin typeface="Arial"/>
+              </a:rPr>
+              <a:t>з</a:t>
+            </a:r>
+            <a:r>
+              <a:rPr b="0" lang="ru-RU" sz="1800" spc="-1" strike="noStrike">
+                <a:latin typeface="Arial"/>
+              </a:rPr>
+              <a:t>аг</a:t>
+            </a:r>
+            <a:r>
+              <a:rPr b="0" lang="ru-RU" sz="1800" spc="-1" strike="noStrike">
+                <a:latin typeface="Arial"/>
+              </a:rPr>
+              <a:t>л</a:t>
+            </a:r>
+            <a:r>
+              <a:rPr b="0" lang="ru-RU" sz="1800" spc="-1" strike="noStrike">
+                <a:latin typeface="Arial"/>
+              </a:rPr>
+              <a:t>а</a:t>
+            </a:r>
+            <a:r>
+              <a:rPr b="0" lang="ru-RU" sz="1800" spc="-1" strike="noStrike">
+                <a:latin typeface="Arial"/>
+              </a:rPr>
+              <a:t>в</a:t>
+            </a:r>
+            <a:r>
+              <a:rPr b="0" lang="ru-RU" sz="1800" spc="-1" strike="noStrike">
+                <a:latin typeface="Arial"/>
+              </a:rPr>
+              <a:t>и</a:t>
+            </a:r>
+            <a:r>
+              <a:rPr b="0" lang="ru-RU" sz="1800" spc="-1" strike="noStrike">
+                <a:latin typeface="Arial"/>
+              </a:rPr>
+              <a:t>я </a:t>
+            </a:r>
+            <a:r>
+              <a:rPr b="0" lang="ru-RU" sz="1800" spc="-1" strike="noStrike">
+                <a:latin typeface="Arial"/>
+              </a:rPr>
+              <a:t>щ</a:t>
+            </a:r>
+            <a:r>
+              <a:rPr b="0" lang="ru-RU" sz="1800" spc="-1" strike="noStrike">
+                <a:latin typeface="Arial"/>
+              </a:rPr>
+              <a:t>ё</a:t>
+            </a:r>
+            <a:r>
+              <a:rPr b="0" lang="ru-RU" sz="1800" spc="-1" strike="noStrike">
+                <a:latin typeface="Arial"/>
+              </a:rPr>
+              <a:t>л</a:t>
+            </a:r>
+            <a:r>
+              <a:rPr b="0" lang="ru-RU" sz="1800" spc="-1" strike="noStrike">
+                <a:latin typeface="Arial"/>
+              </a:rPr>
+              <a:t>к</a:t>
+            </a:r>
+            <a:r>
+              <a:rPr b="0" lang="ru-RU" sz="1800" spc="-1" strike="noStrike">
+                <a:latin typeface="Arial"/>
+              </a:rPr>
+              <a:t>н</a:t>
+            </a:r>
+            <a:r>
+              <a:rPr b="0" lang="ru-RU" sz="1800" spc="-1" strike="noStrike">
+                <a:latin typeface="Arial"/>
+              </a:rPr>
+              <a:t>и</a:t>
+            </a:r>
+            <a:r>
+              <a:rPr b="0" lang="ru-RU" sz="1800" spc="-1" strike="noStrike">
+                <a:latin typeface="Arial"/>
+              </a:rPr>
+              <a:t>т</a:t>
+            </a:r>
+            <a:r>
+              <a:rPr b="0" lang="ru-RU" sz="1800" spc="-1" strike="noStrike">
+                <a:latin typeface="Arial"/>
+              </a:rPr>
+              <a:t>е </a:t>
+            </a:r>
+            <a:r>
+              <a:rPr b="0" lang="ru-RU" sz="1800" spc="-1" strike="noStrike">
+                <a:latin typeface="Arial"/>
+              </a:rPr>
+              <a:t>м</a:t>
+            </a:r>
+            <a:r>
+              <a:rPr b="0" lang="ru-RU" sz="1800" spc="-1" strike="noStrike">
+                <a:latin typeface="Arial"/>
+              </a:rPr>
+              <a:t>ы</a:t>
+            </a:r>
+            <a:r>
+              <a:rPr b="0" lang="ru-RU" sz="1800" spc="-1" strike="noStrike">
+                <a:latin typeface="Arial"/>
+              </a:rPr>
+              <a:t>ш</a:t>
+            </a:r>
+            <a:r>
+              <a:rPr b="0" lang="ru-RU" sz="1800" spc="-1" strike="noStrike">
+                <a:latin typeface="Arial"/>
+              </a:rPr>
+              <a:t>ь</a:t>
+            </a:r>
+            <a:r>
+              <a:rPr b="0" lang="ru-RU" sz="1800" spc="-1" strike="noStrike">
+                <a:latin typeface="Arial"/>
+              </a:rPr>
+              <a:t>ю</a:t>
             </a:r>
             <a:endParaRPr b="0" lang="ru-RU" sz="1800" spc="-1" strike="noStrike">
               <a:latin typeface="Arial"/>
@@ -15033,7 +15479,7 @@
         <p:spPr>
           <a:xfrm>
             <a:off x="8472600" y="4663080"/>
-            <a:ext cx="546840" cy="391680"/>
+            <a:ext cx="546120" cy="390960"/>
           </a:xfrm>
           <a:prstGeom prst="rect">
             <a:avLst/>
@@ -15075,7 +15521,7 @@
                 <a:tab algn="l" pos="0"/>
               </a:tabLst>
             </a:pPr>
-            <a:fld id="{9D3AA14E-7C10-4BAA-AB91-FE9CE898EA85}" type="slidenum">
+            <a:fld id="{65E671CE-216F-40CE-B33C-D8856285C282}" type="slidenum">
               <a:rPr b="0" lang="ru" sz="1000" spc="-1" strike="noStrike">
                 <a:solidFill>
                   <a:srgbClr val="595959"/>
@@ -15171,7 +15617,247 @@
               <a:rPr b="0" lang="ru-RU" sz="4400" spc="-1" strike="noStrike">
                 <a:latin typeface="Arial"/>
               </a:rPr>
-              <a:t>Для правки текста заглавия щёлкните мышью</a:t>
+              <a:t>Д</a:t>
+            </a:r>
+            <a:r>
+              <a:rPr b="0" lang="ru-RU" sz="4400" spc="-1" strike="noStrike">
+                <a:latin typeface="Arial"/>
+              </a:rPr>
+              <a:t>л</a:t>
+            </a:r>
+            <a:r>
+              <a:rPr b="0" lang="ru-RU" sz="4400" spc="-1" strike="noStrike">
+                <a:latin typeface="Arial"/>
+              </a:rPr>
+              <a:t>я</a:t>
+            </a:r>
+            <a:r>
+              <a:rPr b="0" lang="ru-RU" sz="4400" spc="-1" strike="noStrike">
+                <a:latin typeface="Arial"/>
+              </a:rPr>
+              <a:t> </a:t>
+            </a:r>
+            <a:r>
+              <a:rPr b="0" lang="ru-RU" sz="4400" spc="-1" strike="noStrike">
+                <a:latin typeface="Arial"/>
+              </a:rPr>
+              <a:t>п</a:t>
+            </a:r>
+            <a:r>
+              <a:rPr b="0" lang="ru-RU" sz="4400" spc="-1" strike="noStrike">
+                <a:latin typeface="Arial"/>
+              </a:rPr>
+              <a:t>р</a:t>
+            </a:r>
+            <a:r>
+              <a:rPr b="0" lang="ru-RU" sz="4400" spc="-1" strike="noStrike">
+                <a:latin typeface="Arial"/>
+              </a:rPr>
+              <a:t>а</a:t>
+            </a:r>
+            <a:r>
+              <a:rPr b="0" lang="ru-RU" sz="4400" spc="-1" strike="noStrike">
+                <a:latin typeface="Arial"/>
+              </a:rPr>
+              <a:t>в</a:t>
+            </a:r>
+            <a:r>
+              <a:rPr b="0" lang="ru-RU" sz="4400" spc="-1" strike="noStrike">
+                <a:latin typeface="Arial"/>
+              </a:rPr>
+              <a:t>к</a:t>
+            </a:r>
+            <a:r>
+              <a:rPr b="0" lang="ru-RU" sz="4400" spc="-1" strike="noStrike">
+                <a:latin typeface="Arial"/>
+              </a:rPr>
+              <a:t>и</a:t>
+            </a:r>
+            <a:r>
+              <a:rPr b="0" lang="ru-RU" sz="4400" spc="-1" strike="noStrike">
+                <a:latin typeface="Arial"/>
+              </a:rPr>
+              <a:t> </a:t>
+            </a:r>
+            <a:r>
+              <a:rPr b="0" lang="ru-RU" sz="4400" spc="-1" strike="noStrike">
+                <a:latin typeface="Arial"/>
+              </a:rPr>
+              <a:t>т</a:t>
+            </a:r>
+            <a:r>
+              <a:rPr b="0" lang="ru-RU" sz="4400" spc="-1" strike="noStrike">
+                <a:latin typeface="Arial"/>
+              </a:rPr>
+              <a:t>е</a:t>
+            </a:r>
+            <a:r>
+              <a:rPr b="0" lang="ru-RU" sz="4400" spc="-1" strike="noStrike">
+                <a:latin typeface="Arial"/>
+              </a:rPr>
+              <a:t>к</a:t>
+            </a:r>
+            <a:r>
+              <a:rPr b="0" lang="ru-RU" sz="4400" spc="-1" strike="noStrike">
+                <a:latin typeface="Arial"/>
+              </a:rPr>
+              <a:t>с</a:t>
+            </a:r>
+            <a:r>
+              <a:rPr b="0" lang="ru-RU" sz="4400" spc="-1" strike="noStrike">
+                <a:latin typeface="Arial"/>
+              </a:rPr>
+              <a:t>т</a:t>
+            </a:r>
+            <a:r>
+              <a:rPr b="0" lang="ru-RU" sz="4400" spc="-1" strike="noStrike">
+                <a:latin typeface="Arial"/>
+              </a:rPr>
+              <a:t>а</a:t>
+            </a:r>
+            <a:r>
+              <a:rPr b="0" lang="ru-RU" sz="4400" spc="-1" strike="noStrike">
+                <a:latin typeface="Arial"/>
+              </a:rPr>
+              <a:t> </a:t>
+            </a:r>
+            <a:r>
+              <a:rPr b="0" lang="ru-RU" sz="4400" spc="-1" strike="noStrike">
+                <a:latin typeface="Arial"/>
+              </a:rPr>
+              <a:t>з</a:t>
+            </a:r>
+            <a:r>
+              <a:rPr b="0" lang="ru-RU" sz="4400" spc="-1" strike="noStrike">
+                <a:latin typeface="Arial"/>
+              </a:rPr>
+              <a:t>а</a:t>
+            </a:r>
+            <a:r>
+              <a:rPr b="0" lang="ru-RU" sz="4400" spc="-1" strike="noStrike">
+                <a:latin typeface="Arial"/>
+              </a:rPr>
+              <a:t>г</a:t>
+            </a:r>
+            <a:r>
+              <a:rPr b="0" lang="ru-RU" sz="4400" spc="-1" strike="noStrike">
+                <a:latin typeface="Arial"/>
+              </a:rPr>
+              <a:t>л</a:t>
+            </a:r>
+            <a:r>
+              <a:rPr b="0" lang="ru-RU" sz="4400" spc="-1" strike="noStrike">
+                <a:latin typeface="Arial"/>
+              </a:rPr>
+              <a:t>а</a:t>
+            </a:r>
+            <a:r>
+              <a:rPr b="0" lang="ru-RU" sz="4400" spc="-1" strike="noStrike">
+                <a:latin typeface="Arial"/>
+              </a:rPr>
+              <a:t>в</a:t>
+            </a:r>
+            <a:r>
+              <a:rPr b="0" lang="ru-RU" sz="4400" spc="-1" strike="noStrike">
+                <a:latin typeface="Arial"/>
+              </a:rPr>
+              <a:t>и</a:t>
+            </a:r>
+            <a:r>
+              <a:rPr b="0" lang="ru-RU" sz="4400" spc="-1" strike="noStrike">
+                <a:latin typeface="Arial"/>
+              </a:rPr>
+              <a:t>я</a:t>
+            </a:r>
+            <a:r>
+              <a:rPr b="0" lang="ru-RU" sz="4400" spc="-1" strike="noStrike">
+                <a:latin typeface="Arial"/>
+              </a:rPr>
+              <a:t> </a:t>
+            </a:r>
+            <a:r>
+              <a:rPr b="0" lang="ru-RU" sz="4400" spc="-1" strike="noStrike">
+                <a:latin typeface="Arial"/>
+              </a:rPr>
+              <a:t>щ</a:t>
+            </a:r>
+            <a:r>
+              <a:rPr b="0" lang="ru-RU" sz="4400" spc="-1" strike="noStrike">
+                <a:latin typeface="Arial"/>
+              </a:rPr>
+              <a:t>ё</a:t>
+            </a:r>
+            <a:r>
+              <a:rPr b="0" lang="ru-RU" sz="4400" spc="-1" strike="noStrike">
+                <a:latin typeface="Arial"/>
+              </a:rPr>
+              <a:t>л</a:t>
+            </a:r>
+            <a:r>
+              <a:rPr b="0" lang="ru-RU" sz="4400" spc="-1" strike="noStrike">
+                <a:latin typeface="Arial"/>
+              </a:rPr>
+              <a:t>к</a:t>
+            </a:r>
+            <a:r>
+              <a:rPr b="0" lang="ru-RU" sz="4400" spc="-1" strike="noStrike">
+                <a:latin typeface="Arial"/>
+              </a:rPr>
+              <a:t>н</a:t>
+            </a:r>
+            <a:r>
+              <a:rPr b="0" lang="ru-RU" sz="4400" spc="-1" strike="noStrike">
+                <a:latin typeface="Arial"/>
+              </a:rPr>
+              <a:t>и</a:t>
+            </a:r>
+            <a:r>
+              <a:rPr b="0" lang="ru-RU" sz="4400" spc="-1" strike="noStrike">
+                <a:latin typeface="Arial"/>
+              </a:rPr>
+              <a:t>т</a:t>
+            </a:r>
+            <a:r>
+              <a:rPr b="0" lang="ru-RU" sz="4400" spc="-1" strike="noStrike">
+                <a:latin typeface="Arial"/>
+              </a:rPr>
+              <a:t>е</a:t>
+            </a:r>
+            <a:r>
+              <a:rPr b="0" lang="ru-RU" sz="4400" spc="-1" strike="noStrike">
+                <a:latin typeface="Arial"/>
+              </a:rPr>
+              <a:t> </a:t>
+            </a:r>
+            <a:r>
+              <a:rPr b="0" lang="ru-RU" sz="4400" spc="-1" strike="noStrike">
+                <a:latin typeface="Arial"/>
+              </a:rPr>
+              <a:t>м</a:t>
+            </a:r>
+            <a:r>
+              <a:rPr b="0" lang="ru-RU" sz="4400" spc="-1" strike="noStrike">
+                <a:latin typeface="Arial"/>
+              </a:rPr>
+              <a:t>ы</a:t>
+            </a:r>
+            <a:r>
+              <a:rPr b="0" lang="ru-RU" sz="4400" spc="-1" strike="noStrike">
+                <a:latin typeface="Arial"/>
+              </a:rPr>
+              <a:t>ш</a:t>
+            </a:r>
+            <a:r>
+              <a:rPr b="0" lang="ru-RU" sz="4400" spc="-1" strike="noStrike">
+                <a:latin typeface="Arial"/>
+              </a:rPr>
+              <a:t>ь</a:t>
+            </a:r>
+            <a:r>
+              <a:rPr b="0" lang="ru-RU" sz="4400" spc="-1" strike="noStrike">
+                <a:latin typeface="Arial"/>
+              </a:rPr>
+              <a:t>ю</a:t>
             </a:r>
             <a:endParaRPr b="0" lang="ru-RU" sz="4400" spc="-1" strike="noStrike">
               <a:latin typeface="Arial"/>
@@ -15442,7 +16128,247 @@
               <a:rPr b="0" lang="ru-RU" sz="4400" spc="-1" strike="noStrike">
                 <a:latin typeface="Arial"/>
               </a:rPr>
-              <a:t>Для правки текста заглавия щёлкните мышью</a:t>
+              <a:t>Д</a:t>
+            </a:r>
+            <a:r>
+              <a:rPr b="0" lang="ru-RU" sz="4400" spc="-1" strike="noStrike">
+                <a:latin typeface="Arial"/>
+              </a:rPr>
+              <a:t>л</a:t>
+            </a:r>
+            <a:r>
+              <a:rPr b="0" lang="ru-RU" sz="4400" spc="-1" strike="noStrike">
+                <a:latin typeface="Arial"/>
+              </a:rPr>
+              <a:t>я</a:t>
+            </a:r>
+            <a:r>
+              <a:rPr b="0" lang="ru-RU" sz="4400" spc="-1" strike="noStrike">
+                <a:latin typeface="Arial"/>
+              </a:rPr>
+              <a:t> </a:t>
+            </a:r>
+            <a:r>
+              <a:rPr b="0" lang="ru-RU" sz="4400" spc="-1" strike="noStrike">
+                <a:latin typeface="Arial"/>
+              </a:rPr>
+              <a:t>п</a:t>
+            </a:r>
+            <a:r>
+              <a:rPr b="0" lang="ru-RU" sz="4400" spc="-1" strike="noStrike">
+                <a:latin typeface="Arial"/>
+              </a:rPr>
+              <a:t>р</a:t>
+            </a:r>
+            <a:r>
+              <a:rPr b="0" lang="ru-RU" sz="4400" spc="-1" strike="noStrike">
+                <a:latin typeface="Arial"/>
+              </a:rPr>
+              <a:t>а</a:t>
+            </a:r>
+            <a:r>
+              <a:rPr b="0" lang="ru-RU" sz="4400" spc="-1" strike="noStrike">
+                <a:latin typeface="Arial"/>
+              </a:rPr>
+              <a:t>в</a:t>
+            </a:r>
+            <a:r>
+              <a:rPr b="0" lang="ru-RU" sz="4400" spc="-1" strike="noStrike">
+                <a:latin typeface="Arial"/>
+              </a:rPr>
+              <a:t>к</a:t>
+            </a:r>
+            <a:r>
+              <a:rPr b="0" lang="ru-RU" sz="4400" spc="-1" strike="noStrike">
+                <a:latin typeface="Arial"/>
+              </a:rPr>
+              <a:t>и</a:t>
+            </a:r>
+            <a:r>
+              <a:rPr b="0" lang="ru-RU" sz="4400" spc="-1" strike="noStrike">
+                <a:latin typeface="Arial"/>
+              </a:rPr>
+              <a:t> </a:t>
+            </a:r>
+            <a:r>
+              <a:rPr b="0" lang="ru-RU" sz="4400" spc="-1" strike="noStrike">
+                <a:latin typeface="Arial"/>
+              </a:rPr>
+              <a:t>т</a:t>
+            </a:r>
+            <a:r>
+              <a:rPr b="0" lang="ru-RU" sz="4400" spc="-1" strike="noStrike">
+                <a:latin typeface="Arial"/>
+              </a:rPr>
+              <a:t>е</a:t>
+            </a:r>
+            <a:r>
+              <a:rPr b="0" lang="ru-RU" sz="4400" spc="-1" strike="noStrike">
+                <a:latin typeface="Arial"/>
+              </a:rPr>
+              <a:t>к</a:t>
+            </a:r>
+            <a:r>
+              <a:rPr b="0" lang="ru-RU" sz="4400" spc="-1" strike="noStrike">
+                <a:latin typeface="Arial"/>
+              </a:rPr>
+              <a:t>с</a:t>
+            </a:r>
+            <a:r>
+              <a:rPr b="0" lang="ru-RU" sz="4400" spc="-1" strike="noStrike">
+                <a:latin typeface="Arial"/>
+              </a:rPr>
+              <a:t>т</a:t>
+            </a:r>
+            <a:r>
+              <a:rPr b="0" lang="ru-RU" sz="4400" spc="-1" strike="noStrike">
+                <a:latin typeface="Arial"/>
+              </a:rPr>
+              <a:t>а</a:t>
+            </a:r>
+            <a:r>
+              <a:rPr b="0" lang="ru-RU" sz="4400" spc="-1" strike="noStrike">
+                <a:latin typeface="Arial"/>
+              </a:rPr>
+              <a:t> </a:t>
+            </a:r>
+            <a:r>
+              <a:rPr b="0" lang="ru-RU" sz="4400" spc="-1" strike="noStrike">
+                <a:latin typeface="Arial"/>
+              </a:rPr>
+              <a:t>з</a:t>
+            </a:r>
+            <a:r>
+              <a:rPr b="0" lang="ru-RU" sz="4400" spc="-1" strike="noStrike">
+                <a:latin typeface="Arial"/>
+              </a:rPr>
+              <a:t>а</a:t>
+            </a:r>
+            <a:r>
+              <a:rPr b="0" lang="ru-RU" sz="4400" spc="-1" strike="noStrike">
+                <a:latin typeface="Arial"/>
+              </a:rPr>
+              <a:t>г</a:t>
+            </a:r>
+            <a:r>
+              <a:rPr b="0" lang="ru-RU" sz="4400" spc="-1" strike="noStrike">
+                <a:latin typeface="Arial"/>
+              </a:rPr>
+              <a:t>л</a:t>
+            </a:r>
+            <a:r>
+              <a:rPr b="0" lang="ru-RU" sz="4400" spc="-1" strike="noStrike">
+                <a:latin typeface="Arial"/>
+              </a:rPr>
+              <a:t>а</a:t>
+            </a:r>
+            <a:r>
+              <a:rPr b="0" lang="ru-RU" sz="4400" spc="-1" strike="noStrike">
+                <a:latin typeface="Arial"/>
+              </a:rPr>
+              <a:t>в</a:t>
+            </a:r>
+            <a:r>
+              <a:rPr b="0" lang="ru-RU" sz="4400" spc="-1" strike="noStrike">
+                <a:latin typeface="Arial"/>
+              </a:rPr>
+              <a:t>и</a:t>
+            </a:r>
+            <a:r>
+              <a:rPr b="0" lang="ru-RU" sz="4400" spc="-1" strike="noStrike">
+                <a:latin typeface="Arial"/>
+              </a:rPr>
+              <a:t>я</a:t>
+            </a:r>
+            <a:r>
+              <a:rPr b="0" lang="ru-RU" sz="4400" spc="-1" strike="noStrike">
+                <a:latin typeface="Arial"/>
+              </a:rPr>
+              <a:t> </a:t>
+            </a:r>
+            <a:r>
+              <a:rPr b="0" lang="ru-RU" sz="4400" spc="-1" strike="noStrike">
+                <a:latin typeface="Arial"/>
+              </a:rPr>
+              <a:t>щ</a:t>
+            </a:r>
+            <a:r>
+              <a:rPr b="0" lang="ru-RU" sz="4400" spc="-1" strike="noStrike">
+                <a:latin typeface="Arial"/>
+              </a:rPr>
+              <a:t>ё</a:t>
+            </a:r>
+            <a:r>
+              <a:rPr b="0" lang="ru-RU" sz="4400" spc="-1" strike="noStrike">
+                <a:latin typeface="Arial"/>
+              </a:rPr>
+              <a:t>л</a:t>
+            </a:r>
+            <a:r>
+              <a:rPr b="0" lang="ru-RU" sz="4400" spc="-1" strike="noStrike">
+                <a:latin typeface="Arial"/>
+              </a:rPr>
+              <a:t>к</a:t>
+            </a:r>
+            <a:r>
+              <a:rPr b="0" lang="ru-RU" sz="4400" spc="-1" strike="noStrike">
+                <a:latin typeface="Arial"/>
+              </a:rPr>
+              <a:t>н</a:t>
+            </a:r>
+            <a:r>
+              <a:rPr b="0" lang="ru-RU" sz="4400" spc="-1" strike="noStrike">
+                <a:latin typeface="Arial"/>
+              </a:rPr>
+              <a:t>и</a:t>
+            </a:r>
+            <a:r>
+              <a:rPr b="0" lang="ru-RU" sz="4400" spc="-1" strike="noStrike">
+                <a:latin typeface="Arial"/>
+              </a:rPr>
+              <a:t>т</a:t>
+            </a:r>
+            <a:r>
+              <a:rPr b="0" lang="ru-RU" sz="4400" spc="-1" strike="noStrike">
+                <a:latin typeface="Arial"/>
+              </a:rPr>
+              <a:t>е</a:t>
+            </a:r>
+            <a:r>
+              <a:rPr b="0" lang="ru-RU" sz="4400" spc="-1" strike="noStrike">
+                <a:latin typeface="Arial"/>
+              </a:rPr>
+              <a:t> </a:t>
+            </a:r>
+            <a:r>
+              <a:rPr b="0" lang="ru-RU" sz="4400" spc="-1" strike="noStrike">
+                <a:latin typeface="Arial"/>
+              </a:rPr>
+              <a:t>м</a:t>
+            </a:r>
+            <a:r>
+              <a:rPr b="0" lang="ru-RU" sz="4400" spc="-1" strike="noStrike">
+                <a:latin typeface="Arial"/>
+              </a:rPr>
+              <a:t>ы</a:t>
+            </a:r>
+            <a:r>
+              <a:rPr b="0" lang="ru-RU" sz="4400" spc="-1" strike="noStrike">
+                <a:latin typeface="Arial"/>
+              </a:rPr>
+              <a:t>ш</a:t>
+            </a:r>
+            <a:r>
+              <a:rPr b="0" lang="ru-RU" sz="4400" spc="-1" strike="noStrike">
+                <a:latin typeface="Arial"/>
+              </a:rPr>
+              <a:t>ь</a:t>
+            </a:r>
+            <a:r>
+              <a:rPr b="0" lang="ru-RU" sz="4400" spc="-1" strike="noStrike">
+                <a:latin typeface="Arial"/>
+              </a:rPr>
+              <a:t>ю</a:t>
             </a:r>
             <a:endParaRPr b="0" lang="ru-RU" sz="4400" spc="-1" strike="noStrike">
               <a:latin typeface="Arial"/>
@@ -15691,7 +16617,7 @@
         <p:spPr>
           <a:xfrm>
             <a:off x="8472600" y="4663080"/>
-            <a:ext cx="546840" cy="391680"/>
+            <a:ext cx="546120" cy="390960"/>
           </a:xfrm>
           <a:prstGeom prst="rect">
             <a:avLst/>
@@ -15733,7 +16659,7 @@
                 <a:tab algn="l" pos="0"/>
               </a:tabLst>
             </a:pPr>
-            <a:fld id="{FBF0EC0A-D386-49DD-9875-1B9E5E572D74}" type="slidenum">
+            <a:fld id="{C4E7CD42-C89E-4219-9E62-556BC645108F}" type="slidenum">
               <a:rPr b="0" lang="ru" sz="1000" spc="-1" strike="noStrike">
                 <a:solidFill>
                   <a:srgbClr val="595959"/>
@@ -16439,7 +17365,7 @@
         <p:spPr>
           <a:xfrm>
             <a:off x="8472600" y="4663080"/>
-            <a:ext cx="546840" cy="391680"/>
+            <a:ext cx="546120" cy="390960"/>
           </a:xfrm>
           <a:prstGeom prst="rect">
             <a:avLst/>
@@ -16481,7 +17407,7 @@
                 <a:tab algn="l" pos="0"/>
               </a:tabLst>
             </a:pPr>
-            <a:fld id="{816033FD-CAC6-4CA1-8880-EDAE0658A1D0}" type="slidenum">
+            <a:fld id="{1B603CD2-B8F6-4A91-B259-AC51D2440A5A}" type="slidenum">
               <a:rPr b="0" lang="ru" sz="1000" spc="-1" strike="noStrike">
                 <a:solidFill>
                   <a:srgbClr val="595959"/>
@@ -16555,7 +17481,7 @@
         <p:spPr>
           <a:xfrm>
             <a:off x="8472600" y="4663080"/>
-            <a:ext cx="546840" cy="391680"/>
+            <a:ext cx="546120" cy="390960"/>
           </a:xfrm>
           <a:prstGeom prst="rect">
             <a:avLst/>
@@ -16597,7 +17523,7 @@
                 <a:tab algn="l" pos="0"/>
               </a:tabLst>
             </a:pPr>
-            <a:fld id="{D5DBCA0D-CE44-434F-8AC8-FC6561FE6B17}" type="slidenum">
+            <a:fld id="{58B5F342-66DB-42ED-B9EA-EA7A83144B66}" type="slidenum">
               <a:rPr b="0" lang="ru" sz="1000" spc="-1" strike="noStrike">
                 <a:solidFill>
                   <a:srgbClr val="595959"/>
@@ -16890,7 +17816,7 @@
         <p:spPr>
           <a:xfrm>
             <a:off x="-75960" y="0"/>
-            <a:ext cx="9218160" cy="5141880"/>
+            <a:ext cx="9217440" cy="5141160"/>
           </a:xfrm>
           <a:prstGeom prst="rect">
             <a:avLst/>
@@ -16909,7 +17835,7 @@
         <p:spPr>
           <a:xfrm>
             <a:off x="433080" y="553680"/>
-            <a:ext cx="4159800" cy="413640"/>
+            <a:ext cx="4159080" cy="412920"/>
           </a:xfrm>
           <a:prstGeom prst="roundRect">
             <a:avLst>
@@ -16946,7 +17872,7 @@
         <p:spPr>
           <a:xfrm>
             <a:off x="433080" y="1890720"/>
-            <a:ext cx="7582680" cy="807120"/>
+            <a:ext cx="7581960" cy="807120"/>
           </a:xfrm>
           <a:prstGeom prst="rect">
             <a:avLst/>
@@ -17001,7 +17927,7 @@
         <p:spPr>
           <a:xfrm>
             <a:off x="572040" y="553680"/>
-            <a:ext cx="4339440" cy="410760"/>
+            <a:ext cx="4338720" cy="410760"/>
           </a:xfrm>
           <a:prstGeom prst="rect">
             <a:avLst/>
@@ -17060,7 +17986,7 @@
         <p:spPr>
           <a:xfrm>
             <a:off x="7913880" y="268920"/>
-            <a:ext cx="820440" cy="282960"/>
+            <a:ext cx="819720" cy="282240"/>
           </a:xfrm>
           <a:prstGeom prst="rect">
             <a:avLst/>
@@ -17083,7 +18009,7 @@
         <p:spPr>
           <a:xfrm>
             <a:off x="6807960" y="2113200"/>
-            <a:ext cx="1785960" cy="2847600"/>
+            <a:ext cx="1785240" cy="2846880"/>
           </a:xfrm>
           <a:prstGeom prst="rect">
             <a:avLst/>
@@ -17102,7 +18028,7 @@
         <p:spPr>
           <a:xfrm>
             <a:off x="360000" y="4500000"/>
-            <a:ext cx="6838560" cy="538560"/>
+            <a:ext cx="6837840" cy="537840"/>
           </a:xfrm>
           <a:prstGeom prst="rect">
             <a:avLst/>
@@ -17221,7 +18147,7 @@
         <p:spPr>
           <a:xfrm>
             <a:off x="500400" y="330840"/>
-            <a:ext cx="8518680" cy="747720"/>
+            <a:ext cx="8517960" cy="747000"/>
           </a:xfrm>
           <a:prstGeom prst="rect">
             <a:avLst/>
@@ -17274,7 +18200,7 @@
         <p:spPr>
           <a:xfrm>
             <a:off x="30240" y="1404360"/>
-            <a:ext cx="9033480" cy="3454560"/>
+            <a:ext cx="9032760" cy="3453840"/>
           </a:xfrm>
           <a:prstGeom prst="rect">
             <a:avLst/>
@@ -17327,7 +18253,7 @@
         <p:spPr>
           <a:xfrm>
             <a:off x="500400" y="330840"/>
-            <a:ext cx="8518680" cy="747720"/>
+            <a:ext cx="8517960" cy="747000"/>
           </a:xfrm>
           <a:prstGeom prst="rect">
             <a:avLst/>
@@ -17380,7 +18306,7 @@
         <p:spPr>
           <a:xfrm>
             <a:off x="0" y="353160"/>
-            <a:ext cx="9143640" cy="4790520"/>
+            <a:ext cx="9142920" cy="4789800"/>
           </a:xfrm>
           <a:prstGeom prst="rect">
             <a:avLst/>
@@ -17433,7 +18359,7 @@
         <p:spPr>
           <a:xfrm>
             <a:off x="457200" y="205200"/>
-            <a:ext cx="8228520" cy="857880"/>
+            <a:ext cx="8227800" cy="857160"/>
           </a:xfrm>
           <a:prstGeom prst="rect">
             <a:avLst/>
@@ -17486,7 +18412,7 @@
         <p:spPr>
           <a:xfrm>
             <a:off x="457200" y="936000"/>
-            <a:ext cx="8228520" cy="3959280"/>
+            <a:ext cx="8227800" cy="3958560"/>
           </a:xfrm>
           <a:prstGeom prst="rect">
             <a:avLst/>
@@ -17726,7 +18652,7 @@
         <p:spPr>
           <a:xfrm>
             <a:off x="500400" y="330840"/>
-            <a:ext cx="8518680" cy="1094040"/>
+            <a:ext cx="8517960" cy="1093320"/>
           </a:xfrm>
           <a:prstGeom prst="rect">
             <a:avLst/>
@@ -18268,19 +19194,18 @@
       </p:grpSpPr>
       <p:pic>
         <p:nvPicPr>
-          <p:cNvPr id="355" name="Google Shape;447;p100" descr=""/>
+          <p:cNvPr id="355" name="" descr=""/>
           <p:cNvPicPr/>
           <p:nvPr/>
         </p:nvPicPr>
         <p:blipFill>
           <a:blip r:embed="rId1"/>
-          <a:srcRect l="10875" t="0" r="0" b="29924"/>
           <a:stretch/>
         </p:blipFill>
         <p:spPr>
           <a:xfrm>
-            <a:off x="-75960" y="0"/>
-            <a:ext cx="9406800" cy="5141880"/>
+            <a:off x="1173240" y="18000"/>
+            <a:ext cx="6857640" cy="5143320"/>
           </a:xfrm>
           <a:prstGeom prst="rect">
             <a:avLst/>
@@ -18290,281 +19215,6 @@
           </a:ln>
         </p:spPr>
       </p:pic>
-      <p:sp>
-        <p:nvSpPr>
-          <p:cNvPr id="356" name="Google Shape;448;p100"/>
-          <p:cNvSpPr/>
-          <p:nvPr/>
-        </p:nvSpPr>
-        <p:spPr>
-          <a:xfrm>
-            <a:off x="387000" y="1844640"/>
-            <a:ext cx="7582680" cy="1279080"/>
-          </a:xfrm>
-          <a:prstGeom prst="rect">
-            <a:avLst/>
-          </a:prstGeom>
-          <a:noFill/>
-          <a:ln w="0">
-            <a:noFill/>
-          </a:ln>
-        </p:spPr>
-        <p:style>
-          <a:lnRef idx="0"/>
-          <a:fillRef idx="0"/>
-          <a:effectRef idx="0"/>
-          <a:fontRef idx="minor"/>
-        </p:style>
-        <p:txBody>
-          <a:bodyPr lIns="90000" rIns="90000" tIns="91440" bIns="91440" anchor="t">
-            <a:spAutoFit/>
-          </a:bodyPr>
-          <a:p>
-            <a:pPr>
-              <a:lnSpc>
-                <a:spcPct val="90000"/>
-              </a:lnSpc>
-              <a:buNone/>
-              <a:tabLst>
-                <a:tab algn="l" pos="0"/>
-              </a:tabLst>
-            </a:pPr>
-            <a:r>
-              <a:rPr b="1" lang="ru" sz="4000" spc="-1" strike="noStrike">
-                <a:solidFill>
-                  <a:srgbClr val="ffffff"/>
-                </a:solidFill>
-                <a:latin typeface="Roboto"/>
-                <a:ea typeface="Roboto"/>
-              </a:rPr>
-              <a:t>Вопросы и рекомендации</a:t>
-            </a:r>
-            <a:endParaRPr b="0" lang="ru-RU" sz="4000" spc="-1" strike="noStrike">
-              <a:latin typeface="Arial"/>
-            </a:endParaRPr>
-          </a:p>
-        </p:txBody>
-      </p:sp>
-      <p:sp>
-        <p:nvSpPr>
-          <p:cNvPr id="357" name="Google Shape;449;p100"/>
-          <p:cNvSpPr/>
-          <p:nvPr/>
-        </p:nvSpPr>
-        <p:spPr>
-          <a:xfrm>
-            <a:off x="1214640" y="3061800"/>
-            <a:ext cx="1925640" cy="639000"/>
-          </a:xfrm>
-          <a:prstGeom prst="rect">
-            <a:avLst/>
-          </a:prstGeom>
-          <a:noFill/>
-          <a:ln w="0">
-            <a:noFill/>
-          </a:ln>
-        </p:spPr>
-        <p:style>
-          <a:lnRef idx="0"/>
-          <a:fillRef idx="0"/>
-          <a:effectRef idx="0"/>
-          <a:fontRef idx="minor"/>
-        </p:style>
-        <p:txBody>
-          <a:bodyPr lIns="90000" rIns="90000" tIns="91440" bIns="91440" anchor="t">
-            <a:spAutoFit/>
-          </a:bodyPr>
-          <a:p>
-            <a:pPr>
-              <a:lnSpc>
-                <a:spcPct val="100000"/>
-              </a:lnSpc>
-              <a:buNone/>
-              <a:tabLst>
-                <a:tab algn="l" pos="0"/>
-              </a:tabLst>
-            </a:pPr>
-            <a:r>
-              <a:rPr b="0" lang="ru" sz="1500" spc="-1" strike="noStrike">
-                <a:solidFill>
-                  <a:srgbClr val="ffffff"/>
-                </a:solidFill>
-                <a:latin typeface="Roboto"/>
-                <a:ea typeface="Roboto"/>
-              </a:rPr>
-              <a:t>если есть вопросы</a:t>
-            </a:r>
-            <a:endParaRPr b="0" lang="ru-RU" sz="1500" spc="-1" strike="noStrike">
-              <a:latin typeface="Arial"/>
-            </a:endParaRPr>
-          </a:p>
-        </p:txBody>
-      </p:sp>
-      <p:sp>
-        <p:nvSpPr>
-          <p:cNvPr id="358" name="Google Shape;450;p100"/>
-          <p:cNvSpPr/>
-          <p:nvPr/>
-        </p:nvSpPr>
-        <p:spPr>
-          <a:xfrm>
-            <a:off x="4934880" y="3061800"/>
-            <a:ext cx="2144160" cy="410760"/>
-          </a:xfrm>
-          <a:prstGeom prst="rect">
-            <a:avLst/>
-          </a:prstGeom>
-          <a:noFill/>
-          <a:ln w="0">
-            <a:noFill/>
-          </a:ln>
-        </p:spPr>
-        <p:style>
-          <a:lnRef idx="0"/>
-          <a:fillRef idx="0"/>
-          <a:effectRef idx="0"/>
-          <a:fontRef idx="minor"/>
-        </p:style>
-        <p:txBody>
-          <a:bodyPr lIns="90000" rIns="90000" tIns="91440" bIns="91440" anchor="t">
-            <a:spAutoFit/>
-          </a:bodyPr>
-          <a:p>
-            <a:pPr>
-              <a:lnSpc>
-                <a:spcPct val="100000"/>
-              </a:lnSpc>
-              <a:buNone/>
-              <a:tabLst>
-                <a:tab algn="l" pos="0"/>
-              </a:tabLst>
-            </a:pPr>
-            <a:r>
-              <a:rPr b="0" lang="ru" sz="1500" spc="-1" strike="noStrike">
-                <a:solidFill>
-                  <a:srgbClr val="ffffff"/>
-                </a:solidFill>
-                <a:latin typeface="Roboto"/>
-                <a:ea typeface="Roboto"/>
-              </a:rPr>
-              <a:t>если вопросов нет</a:t>
-            </a:r>
-            <a:endParaRPr b="0" lang="ru-RU" sz="1500" spc="-1" strike="noStrike">
-              <a:latin typeface="Arial"/>
-            </a:endParaRPr>
-          </a:p>
-        </p:txBody>
-      </p:sp>
-      <p:sp>
-        <p:nvSpPr>
-          <p:cNvPr id="359" name="Google Shape;451;p100"/>
-          <p:cNvSpPr/>
-          <p:nvPr/>
-        </p:nvSpPr>
-        <p:spPr>
-          <a:xfrm>
-            <a:off x="722880" y="2846520"/>
-            <a:ext cx="489960" cy="837720"/>
-          </a:xfrm>
-          <a:prstGeom prst="rect">
-            <a:avLst/>
-          </a:prstGeom>
-          <a:noFill/>
-          <a:ln w="0">
-            <a:noFill/>
-          </a:ln>
-        </p:spPr>
-        <p:style>
-          <a:lnRef idx="0"/>
-          <a:fillRef idx="0"/>
-          <a:effectRef idx="0"/>
-          <a:fontRef idx="minor"/>
-        </p:style>
-        <p:txBody>
-          <a:bodyPr lIns="90000" rIns="90000" tIns="91440" bIns="91440" anchor="t">
-            <a:spAutoFit/>
-          </a:bodyPr>
-          <a:p>
-            <a:pPr>
-              <a:lnSpc>
-                <a:spcPct val="100000"/>
-              </a:lnSpc>
-              <a:buNone/>
-              <a:tabLst>
-                <a:tab algn="l" pos="0"/>
-              </a:tabLst>
-            </a:pPr>
-            <a:r>
-              <a:rPr b="0" lang="ru" sz="4300" spc="-1" strike="noStrike">
-                <a:solidFill>
-                  <a:srgbClr val="ffffff"/>
-                </a:solidFill>
-                <a:latin typeface="Roboto"/>
-                <a:ea typeface="Roboto"/>
-              </a:rPr>
-              <a:t>+</a:t>
-            </a:r>
-            <a:endParaRPr b="0" lang="ru-RU" sz="4300" spc="-1" strike="noStrike">
-              <a:latin typeface="Arial"/>
-            </a:endParaRPr>
-          </a:p>
-        </p:txBody>
-      </p:sp>
-      <p:sp>
-        <p:nvSpPr>
-          <p:cNvPr id="360" name="Google Shape;452;p100"/>
-          <p:cNvSpPr/>
-          <p:nvPr/>
-        </p:nvSpPr>
-        <p:spPr>
-          <a:xfrm>
-            <a:off x="4443480" y="2846520"/>
-            <a:ext cx="489960" cy="837720"/>
-          </a:xfrm>
-          <a:prstGeom prst="rect">
-            <a:avLst/>
-          </a:prstGeom>
-          <a:noFill/>
-          <a:ln w="0">
-            <a:noFill/>
-          </a:ln>
-        </p:spPr>
-        <p:style>
-          <a:lnRef idx="0"/>
-          <a:fillRef idx="0"/>
-          <a:effectRef idx="0"/>
-          <a:fontRef idx="minor"/>
-        </p:style>
-        <p:txBody>
-          <a:bodyPr lIns="90000" rIns="90000" tIns="91440" bIns="91440" anchor="t">
-            <a:spAutoFit/>
-          </a:bodyPr>
-          <a:p>
-            <a:pPr>
-              <a:lnSpc>
-                <a:spcPct val="100000"/>
-              </a:lnSpc>
-              <a:buNone/>
-              <a:tabLst>
-                <a:tab algn="l" pos="0"/>
-              </a:tabLst>
-            </a:pPr>
-            <a:r>
-              <a:rPr b="0" lang="ru" sz="4300" spc="-1" strike="noStrike">
-                <a:solidFill>
-                  <a:srgbClr val="ffffff"/>
-                </a:solidFill>
-                <a:latin typeface="Roboto"/>
-                <a:ea typeface="Roboto"/>
-              </a:rPr>
-              <a:t>– </a:t>
-            </a:r>
-            <a:endParaRPr b="0" lang="ru-RU" sz="4300" spc="-1" strike="noStrike">
-              <a:latin typeface="Arial"/>
-            </a:endParaRPr>
-          </a:p>
-        </p:txBody>
-      </p:sp>
     </p:spTree>
   </p:cSld>
   <mc:AlternateContent>
@@ -18597,19 +19247,72 @@
       </p:grpSpPr>
       <p:pic>
         <p:nvPicPr>
-          <p:cNvPr id="361" name="Google Shape;460;p101" descr=""/>
+          <p:cNvPr id="356" name="" descr=""/>
           <p:cNvPicPr/>
           <p:nvPr/>
         </p:nvPicPr>
         <p:blipFill>
           <a:blip r:embed="rId1"/>
-          <a:srcRect l="0" t="5493" r="0" b="38718"/>
           <a:stretch/>
         </p:blipFill>
         <p:spPr>
           <a:xfrm>
+            <a:off x="1173240" y="18000"/>
+            <a:ext cx="6857640" cy="5143320"/>
+          </a:xfrm>
+          <a:prstGeom prst="rect">
+            <a:avLst/>
+          </a:prstGeom>
+          <a:ln w="0">
+            <a:noFill/>
+          </a:ln>
+        </p:spPr>
+      </p:pic>
+    </p:spTree>
+  </p:cSld>
+  <mc:AlternateContent>
+    <mc:Choice Requires="p14">
+      <p:transition spd="slow" p14:dur="2000"/>
+    </mc:Choice>
+    <mc:Fallback>
+      <p:transition spd="slow"/>
+    </mc:Fallback>
+  </mc:AlternateContent>
+</p:sld>
+</file>
+
+<file path=ppt/slides/slide16.xml><?xml version="1.0" encoding="utf-8"?>
+<p:sld xmlns:a="http://schemas.openxmlformats.org/drawingml/2006/main" xmlns:p="http://schemas.openxmlformats.org/presentationml/2006/main" xmlns:r="http://schemas.openxmlformats.org/officeDocument/2006/relationships" xmlns:p14="http://schemas.microsoft.com/office/powerpoint/2010/main" xmlns:p15="http://schemas.microsoft.com/office/powerpoint/2012/main" xmlns:mc="http://schemas.openxmlformats.org/markup-compatibility/2006">
+  <p:cSld>
+    <p:spTree>
+      <p:nvGrpSpPr>
+        <p:cNvPr id="1" name=""/>
+        <p:cNvGrpSpPr/>
+        <p:nvPr/>
+      </p:nvGrpSpPr>
+      <p:grpSpPr>
+        <a:xfrm>
+          <a:off x="0" y="0"/>
+          <a:ext cx="0" cy="0"/>
+          <a:chOff x="0" y="0"/>
+          <a:chExt cx="0" cy="0"/>
+        </a:xfrm>
+      </p:grpSpPr>
+      <p:pic>
+        <p:nvPicPr>
+          <p:cNvPr id="357" name="Google Shape;447;p100" descr=""/>
+          <p:cNvPicPr/>
+          <p:nvPr/>
+        </p:nvPicPr>
+        <p:blipFill>
+          <a:blip r:embed="rId1"/>
+          <a:srcRect l="10875" t="0" r="0" b="29924"/>
+          <a:stretch/>
+        </p:blipFill>
+        <p:spPr>
+          <a:xfrm>
             <a:off x="-75960" y="0"/>
-            <a:ext cx="9218160" cy="5141880"/>
+            <a:ext cx="9406080" cy="5141160"/>
           </a:xfrm>
           <a:prstGeom prst="rect">
             <a:avLst/>
@@ -18621,30 +19324,87 @@
       </p:pic>
       <p:sp>
         <p:nvSpPr>
-          <p:cNvPr id="362" name="PlaceHolder 1"/>
-          <p:cNvSpPr>
-            <a:spLocks noGrp="1"/>
-          </p:cNvSpPr>
-          <p:nvPr>
-            <p:ph type="title"/>
-          </p:nvPr>
-        </p:nvSpPr>
-        <p:spPr>
-          <a:xfrm>
-            <a:off x="628920" y="1932480"/>
-            <a:ext cx="7293240" cy="1954440"/>
-          </a:xfrm>
-          <a:prstGeom prst="rect">
-            <a:avLst/>
-          </a:prstGeom>
-          <a:noFill/>
-          <a:ln w="0">
-            <a:noFill/>
-          </a:ln>
-        </p:spPr>
-        <p:txBody>
-          <a:bodyPr lIns="0" rIns="0" tIns="91440" bIns="91440" anchor="t">
-            <a:noAutofit/>
+          <p:cNvPr id="358" name="Google Shape;448;p100"/>
+          <p:cNvSpPr/>
+          <p:nvPr/>
+        </p:nvSpPr>
+        <p:spPr>
+          <a:xfrm>
+            <a:off x="387000" y="1844640"/>
+            <a:ext cx="7581960" cy="1279080"/>
+          </a:xfrm>
+          <a:prstGeom prst="rect">
+            <a:avLst/>
+          </a:prstGeom>
+          <a:noFill/>
+          <a:ln w="0">
+            <a:noFill/>
+          </a:ln>
+        </p:spPr>
+        <p:style>
+          <a:lnRef idx="0"/>
+          <a:fillRef idx="0"/>
+          <a:effectRef idx="0"/>
+          <a:fontRef idx="minor"/>
+        </p:style>
+        <p:txBody>
+          <a:bodyPr lIns="90000" rIns="90000" tIns="91440" bIns="91440" anchor="t">
+            <a:spAutoFit/>
+          </a:bodyPr>
+          <a:p>
+            <a:pPr>
+              <a:lnSpc>
+                <a:spcPct val="90000"/>
+              </a:lnSpc>
+              <a:buNone/>
+              <a:tabLst>
+                <a:tab algn="l" pos="0"/>
+              </a:tabLst>
+            </a:pPr>
+            <a:r>
+              <a:rPr b="1" lang="ru" sz="4000" spc="-1" strike="noStrike">
+                <a:solidFill>
+                  <a:srgbClr val="ffffff"/>
+                </a:solidFill>
+                <a:latin typeface="Roboto"/>
+                <a:ea typeface="Roboto"/>
+              </a:rPr>
+              <a:t>Вопросы и рекомендации</a:t>
+            </a:r>
+            <a:endParaRPr b="0" lang="ru-RU" sz="4000" spc="-1" strike="noStrike">
+              <a:latin typeface="Arial"/>
+            </a:endParaRPr>
+          </a:p>
+        </p:txBody>
+      </p:sp>
+      <p:sp>
+        <p:nvSpPr>
+          <p:cNvPr id="359" name="Google Shape;449;p100"/>
+          <p:cNvSpPr/>
+          <p:nvPr/>
+        </p:nvSpPr>
+        <p:spPr>
+          <a:xfrm>
+            <a:off x="1214640" y="3061800"/>
+            <a:ext cx="1924920" cy="639000"/>
+          </a:xfrm>
+          <a:prstGeom prst="rect">
+            <a:avLst/>
+          </a:prstGeom>
+          <a:noFill/>
+          <a:ln w="0">
+            <a:noFill/>
+          </a:ln>
+        </p:spPr>
+        <p:style>
+          <a:lnRef idx="0"/>
+          <a:fillRef idx="0"/>
+          <a:effectRef idx="0"/>
+          <a:fontRef idx="minor"/>
+        </p:style>
+        <p:txBody>
+          <a:bodyPr lIns="90000" rIns="90000" tIns="91440" bIns="91440" anchor="t">
+            <a:spAutoFit/>
           </a:bodyPr>
           <a:p>
             <a:pPr>
@@ -18657,6 +19417,278 @@
               </a:tabLst>
             </a:pPr>
             <a:r>
+              <a:rPr b="0" lang="ru" sz="1500" spc="-1" strike="noStrike">
+                <a:solidFill>
+                  <a:srgbClr val="ffffff"/>
+                </a:solidFill>
+                <a:latin typeface="Roboto"/>
+                <a:ea typeface="Roboto"/>
+              </a:rPr>
+              <a:t>если есть вопросы</a:t>
+            </a:r>
+            <a:endParaRPr b="0" lang="ru-RU" sz="1500" spc="-1" strike="noStrike">
+              <a:latin typeface="Arial"/>
+            </a:endParaRPr>
+          </a:p>
+        </p:txBody>
+      </p:sp>
+      <p:sp>
+        <p:nvSpPr>
+          <p:cNvPr id="360" name="Google Shape;450;p100"/>
+          <p:cNvSpPr/>
+          <p:nvPr/>
+        </p:nvSpPr>
+        <p:spPr>
+          <a:xfrm>
+            <a:off x="4934880" y="3061800"/>
+            <a:ext cx="2143440" cy="410760"/>
+          </a:xfrm>
+          <a:prstGeom prst="rect">
+            <a:avLst/>
+          </a:prstGeom>
+          <a:noFill/>
+          <a:ln w="0">
+            <a:noFill/>
+          </a:ln>
+        </p:spPr>
+        <p:style>
+          <a:lnRef idx="0"/>
+          <a:fillRef idx="0"/>
+          <a:effectRef idx="0"/>
+          <a:fontRef idx="minor"/>
+        </p:style>
+        <p:txBody>
+          <a:bodyPr lIns="90000" rIns="90000" tIns="91440" bIns="91440" anchor="t">
+            <a:spAutoFit/>
+          </a:bodyPr>
+          <a:p>
+            <a:pPr>
+              <a:lnSpc>
+                <a:spcPct val="100000"/>
+              </a:lnSpc>
+              <a:buNone/>
+              <a:tabLst>
+                <a:tab algn="l" pos="0"/>
+              </a:tabLst>
+            </a:pPr>
+            <a:r>
+              <a:rPr b="0" lang="ru" sz="1500" spc="-1" strike="noStrike">
+                <a:solidFill>
+                  <a:srgbClr val="ffffff"/>
+                </a:solidFill>
+                <a:latin typeface="Roboto"/>
+                <a:ea typeface="Roboto"/>
+              </a:rPr>
+              <a:t>если вопросов нет</a:t>
+            </a:r>
+            <a:endParaRPr b="0" lang="ru-RU" sz="1500" spc="-1" strike="noStrike">
+              <a:latin typeface="Arial"/>
+            </a:endParaRPr>
+          </a:p>
+        </p:txBody>
+      </p:sp>
+      <p:sp>
+        <p:nvSpPr>
+          <p:cNvPr id="361" name="Google Shape;451;p100"/>
+          <p:cNvSpPr/>
+          <p:nvPr/>
+        </p:nvSpPr>
+        <p:spPr>
+          <a:xfrm>
+            <a:off x="722880" y="2846520"/>
+            <a:ext cx="489240" cy="837720"/>
+          </a:xfrm>
+          <a:prstGeom prst="rect">
+            <a:avLst/>
+          </a:prstGeom>
+          <a:noFill/>
+          <a:ln w="0">
+            <a:noFill/>
+          </a:ln>
+        </p:spPr>
+        <p:style>
+          <a:lnRef idx="0"/>
+          <a:fillRef idx="0"/>
+          <a:effectRef idx="0"/>
+          <a:fontRef idx="minor"/>
+        </p:style>
+        <p:txBody>
+          <a:bodyPr lIns="90000" rIns="90000" tIns="91440" bIns="91440" anchor="t">
+            <a:spAutoFit/>
+          </a:bodyPr>
+          <a:p>
+            <a:pPr>
+              <a:lnSpc>
+                <a:spcPct val="100000"/>
+              </a:lnSpc>
+              <a:buNone/>
+              <a:tabLst>
+                <a:tab algn="l" pos="0"/>
+              </a:tabLst>
+            </a:pPr>
+            <a:r>
+              <a:rPr b="0" lang="ru" sz="4300" spc="-1" strike="noStrike">
+                <a:solidFill>
+                  <a:srgbClr val="ffffff"/>
+                </a:solidFill>
+                <a:latin typeface="Roboto"/>
+                <a:ea typeface="Roboto"/>
+              </a:rPr>
+              <a:t>+</a:t>
+            </a:r>
+            <a:endParaRPr b="0" lang="ru-RU" sz="4300" spc="-1" strike="noStrike">
+              <a:latin typeface="Arial"/>
+            </a:endParaRPr>
+          </a:p>
+        </p:txBody>
+      </p:sp>
+      <p:sp>
+        <p:nvSpPr>
+          <p:cNvPr id="362" name="Google Shape;452;p100"/>
+          <p:cNvSpPr/>
+          <p:nvPr/>
+        </p:nvSpPr>
+        <p:spPr>
+          <a:xfrm>
+            <a:off x="4443480" y="2846520"/>
+            <a:ext cx="489240" cy="837720"/>
+          </a:xfrm>
+          <a:prstGeom prst="rect">
+            <a:avLst/>
+          </a:prstGeom>
+          <a:noFill/>
+          <a:ln w="0">
+            <a:noFill/>
+          </a:ln>
+        </p:spPr>
+        <p:style>
+          <a:lnRef idx="0"/>
+          <a:fillRef idx="0"/>
+          <a:effectRef idx="0"/>
+          <a:fontRef idx="minor"/>
+        </p:style>
+        <p:txBody>
+          <a:bodyPr lIns="90000" rIns="90000" tIns="91440" bIns="91440" anchor="t">
+            <a:spAutoFit/>
+          </a:bodyPr>
+          <a:p>
+            <a:pPr>
+              <a:lnSpc>
+                <a:spcPct val="100000"/>
+              </a:lnSpc>
+              <a:buNone/>
+              <a:tabLst>
+                <a:tab algn="l" pos="0"/>
+              </a:tabLst>
+            </a:pPr>
+            <a:r>
+              <a:rPr b="0" lang="ru" sz="4300" spc="-1" strike="noStrike">
+                <a:solidFill>
+                  <a:srgbClr val="ffffff"/>
+                </a:solidFill>
+                <a:latin typeface="Roboto"/>
+                <a:ea typeface="Roboto"/>
+              </a:rPr>
+              <a:t>– </a:t>
+            </a:r>
+            <a:endParaRPr b="0" lang="ru-RU" sz="4300" spc="-1" strike="noStrike">
+              <a:latin typeface="Arial"/>
+            </a:endParaRPr>
+          </a:p>
+        </p:txBody>
+      </p:sp>
+    </p:spTree>
+  </p:cSld>
+  <mc:AlternateContent>
+    <mc:Choice Requires="p14">
+      <p:transition spd="slow" p14:dur="2000"/>
+    </mc:Choice>
+    <mc:Fallback>
+      <p:transition spd="slow"/>
+    </mc:Fallback>
+  </mc:AlternateContent>
+</p:sld>
+</file>
+
+<file path=ppt/slides/slide17.xml><?xml version="1.0" encoding="utf-8"?>
+<p:sld xmlns:a="http://schemas.openxmlformats.org/drawingml/2006/main" xmlns:p="http://schemas.openxmlformats.org/presentationml/2006/main" xmlns:r="http://schemas.openxmlformats.org/officeDocument/2006/relationships" xmlns:p14="http://schemas.microsoft.com/office/powerpoint/2010/main" xmlns:p15="http://schemas.microsoft.com/office/powerpoint/2012/main" xmlns:mc="http://schemas.openxmlformats.org/markup-compatibility/2006">
+  <p:cSld>
+    <p:spTree>
+      <p:nvGrpSpPr>
+        <p:cNvPr id="1" name=""/>
+        <p:cNvGrpSpPr/>
+        <p:nvPr/>
+      </p:nvGrpSpPr>
+      <p:grpSpPr>
+        <a:xfrm>
+          <a:off x="0" y="0"/>
+          <a:ext cx="0" cy="0"/>
+          <a:chOff x="0" y="0"/>
+          <a:chExt cx="0" cy="0"/>
+        </a:xfrm>
+      </p:grpSpPr>
+      <p:pic>
+        <p:nvPicPr>
+          <p:cNvPr id="363" name="Google Shape;460;p101" descr=""/>
+          <p:cNvPicPr/>
+          <p:nvPr/>
+        </p:nvPicPr>
+        <p:blipFill>
+          <a:blip r:embed="rId1"/>
+          <a:srcRect l="0" t="5493" r="0" b="38718"/>
+          <a:stretch/>
+        </p:blipFill>
+        <p:spPr>
+          <a:xfrm>
+            <a:off x="-75960" y="0"/>
+            <a:ext cx="9217440" cy="5141160"/>
+          </a:xfrm>
+          <a:prstGeom prst="rect">
+            <a:avLst/>
+          </a:prstGeom>
+          <a:ln w="0">
+            <a:noFill/>
+          </a:ln>
+        </p:spPr>
+      </p:pic>
+      <p:sp>
+        <p:nvSpPr>
+          <p:cNvPr id="364" name="PlaceHolder 1"/>
+          <p:cNvSpPr>
+            <a:spLocks noGrp="1"/>
+          </p:cNvSpPr>
+          <p:nvPr>
+            <p:ph type="title"/>
+          </p:nvPr>
+        </p:nvSpPr>
+        <p:spPr>
+          <a:xfrm>
+            <a:off x="628920" y="1932480"/>
+            <a:ext cx="7292520" cy="1953720"/>
+          </a:xfrm>
+          <a:prstGeom prst="rect">
+            <a:avLst/>
+          </a:prstGeom>
+          <a:noFill/>
+          <a:ln w="0">
+            <a:noFill/>
+          </a:ln>
+        </p:spPr>
+        <p:txBody>
+          <a:bodyPr lIns="0" rIns="0" tIns="91440" bIns="91440" anchor="t">
+            <a:noAutofit/>
+          </a:bodyPr>
+          <a:p>
+            <a:pPr>
+              <a:lnSpc>
+                <a:spcPct val="100000"/>
+              </a:lnSpc>
+              <a:buNone/>
+              <a:tabLst>
+                <a:tab algn="l" pos="0"/>
+              </a:tabLst>
+            </a:pPr>
+            <a:r>
               <a:rPr b="1" lang="ru" sz="5000" spc="-1" strike="noStrike">
                 <a:solidFill>
                   <a:srgbClr val="ffffff"/>
@@ -18674,7 +19706,7 @@
       </p:sp>
       <p:pic>
         <p:nvPicPr>
-          <p:cNvPr id="363" name="Google Shape;462;p101" descr=""/>
+          <p:cNvPr id="365" name="Google Shape;462;p101" descr=""/>
           <p:cNvPicPr/>
           <p:nvPr/>
         </p:nvPicPr>
@@ -18685,7 +19717,7 @@
         <p:spPr>
           <a:xfrm>
             <a:off x="7328160" y="1616760"/>
-            <a:ext cx="594360" cy="594360"/>
+            <a:ext cx="593640" cy="593640"/>
           </a:xfrm>
           <a:prstGeom prst="rect">
             <a:avLst/>
@@ -18738,7 +19770,7 @@
         <p:spPr>
           <a:xfrm>
             <a:off x="744120" y="1422720"/>
-            <a:ext cx="7933680" cy="1400760"/>
+            <a:ext cx="7932960" cy="1400040"/>
           </a:xfrm>
           <a:prstGeom prst="rect">
             <a:avLst/>
@@ -18815,7 +19847,7 @@
         <p:spPr>
           <a:xfrm>
             <a:off x="1544040" y="3841200"/>
-            <a:ext cx="543960" cy="543960"/>
+            <a:ext cx="543240" cy="543240"/>
           </a:xfrm>
           <a:prstGeom prst="rect">
             <a:avLst/>
@@ -18838,7 +19870,7 @@
         <p:spPr>
           <a:xfrm>
             <a:off x="825480" y="3890880"/>
-            <a:ext cx="535320" cy="535320"/>
+            <a:ext cx="534600" cy="534600"/>
           </a:xfrm>
           <a:prstGeom prst="rect">
             <a:avLst/>
@@ -18891,7 +19923,7 @@
         <p:spPr>
           <a:xfrm>
             <a:off x="500400" y="821160"/>
-            <a:ext cx="8518680" cy="1157400"/>
+            <a:ext cx="8517960" cy="1156680"/>
           </a:xfrm>
           <a:prstGeom prst="rect">
             <a:avLst/>
@@ -19006,7 +20038,7 @@
         <p:spPr>
           <a:xfrm>
             <a:off x="3899520" y="2746440"/>
-            <a:ext cx="3700080" cy="374040"/>
+            <a:ext cx="3699360" cy="373320"/>
           </a:xfrm>
           <a:prstGeom prst="rect">
             <a:avLst/>
@@ -19061,7 +20093,7 @@
         <p:spPr>
           <a:xfrm>
             <a:off x="3899520" y="3122280"/>
-            <a:ext cx="5335560" cy="1370520"/>
+            <a:ext cx="5334840" cy="1370520"/>
           </a:xfrm>
           <a:prstGeom prst="rect">
             <a:avLst/>
@@ -19192,7 +20224,7 @@
         <p:spPr>
           <a:xfrm>
             <a:off x="541440" y="2101680"/>
-            <a:ext cx="1797120" cy="2396880"/>
+            <a:ext cx="1796400" cy="2396160"/>
           </a:xfrm>
           <a:prstGeom prst="rect">
             <a:avLst/>
@@ -19245,7 +20277,7 @@
         <p:spPr>
           <a:xfrm>
             <a:off x="538560" y="348840"/>
-            <a:ext cx="8518680" cy="1040400"/>
+            <a:ext cx="8517960" cy="1039680"/>
           </a:xfrm>
           <a:prstGeom prst="rect">
             <a:avLst/>
@@ -19294,7 +20326,7 @@
         <p:spPr>
           <a:xfrm>
             <a:off x="1137960" y="1491480"/>
-            <a:ext cx="3383280" cy="374400"/>
+            <a:ext cx="3382560" cy="373680"/>
           </a:xfrm>
           <a:prstGeom prst="roundRect">
             <a:avLst>
@@ -19322,7 +20354,7 @@
           <a:fontRef idx="minor"/>
         </p:style>
         <p:txBody>
-          <a:bodyPr lIns="162000" rIns="162000" tIns="338400" bIns="338400" anchor="ctr">
+          <a:bodyPr lIns="162000" rIns="162000" tIns="337680" bIns="337680" anchor="ctr">
             <a:noAutofit/>
           </a:bodyPr>
           <a:p>
@@ -19360,7 +20392,7 @@
         <p:spPr>
           <a:xfrm>
             <a:off x="1137960" y="2071440"/>
-            <a:ext cx="3383280" cy="374400"/>
+            <a:ext cx="3382560" cy="373680"/>
           </a:xfrm>
           <a:prstGeom prst="roundRect">
             <a:avLst>
@@ -19388,7 +20420,7 @@
           <a:fontRef idx="minor"/>
         </p:style>
         <p:txBody>
-          <a:bodyPr lIns="162000" rIns="162000" tIns="338400" bIns="338400" anchor="ctr">
+          <a:bodyPr lIns="162000" rIns="162000" tIns="337680" bIns="337680" anchor="ctr">
             <a:noAutofit/>
           </a:bodyPr>
           <a:p>
@@ -19426,7 +20458,7 @@
         <p:spPr>
           <a:xfrm>
             <a:off x="1137960" y="2651760"/>
-            <a:ext cx="3383280" cy="374400"/>
+            <a:ext cx="3382560" cy="373680"/>
           </a:xfrm>
           <a:prstGeom prst="roundRect">
             <a:avLst>
@@ -19454,7 +20486,7 @@
           <a:fontRef idx="minor"/>
         </p:style>
         <p:txBody>
-          <a:bodyPr lIns="162000" rIns="162000" tIns="338400" bIns="338400" anchor="ctr">
+          <a:bodyPr lIns="162000" rIns="162000" tIns="337680" bIns="337680" anchor="ctr">
             <a:noAutofit/>
           </a:bodyPr>
           <a:p>
@@ -19492,7 +20524,7 @@
         <p:spPr>
           <a:xfrm>
             <a:off x="1137960" y="3246120"/>
-            <a:ext cx="3383280" cy="374400"/>
+            <a:ext cx="3382560" cy="373680"/>
           </a:xfrm>
           <a:prstGeom prst="roundRect">
             <a:avLst>
@@ -19520,7 +20552,7 @@
           <a:fontRef idx="minor"/>
         </p:style>
         <p:txBody>
-          <a:bodyPr lIns="162000" rIns="162000" tIns="338400" bIns="338400" anchor="ctr">
+          <a:bodyPr lIns="162000" rIns="162000" tIns="337680" bIns="337680" anchor="ctr">
             <a:noAutofit/>
           </a:bodyPr>
           <a:p>
@@ -19558,7 +20590,7 @@
         <p:spPr>
           <a:xfrm>
             <a:off x="1137960" y="1679400"/>
-            <a:ext cx="360" cy="578520"/>
+            <a:ext cx="360" cy="577800"/>
           </a:xfrm>
           <a:prstGeom prst="bentConnector3">
             <a:avLst>
@@ -19590,7 +20622,7 @@
         <p:spPr>
           <a:xfrm>
             <a:off x="1137960" y="2259720"/>
-            <a:ext cx="360" cy="578520"/>
+            <a:ext cx="360" cy="577800"/>
           </a:xfrm>
           <a:prstGeom prst="bentConnector3">
             <a:avLst>
@@ -19622,7 +20654,7 @@
         <p:spPr>
           <a:xfrm>
             <a:off x="1137960" y="2839680"/>
-            <a:ext cx="360" cy="592920"/>
+            <a:ext cx="360" cy="592200"/>
           </a:xfrm>
           <a:prstGeom prst="bentConnector3">
             <a:avLst>
@@ -19654,7 +20686,7 @@
         <p:spPr>
           <a:xfrm>
             <a:off x="1137960" y="3434400"/>
-            <a:ext cx="360" cy="524880"/>
+            <a:ext cx="360" cy="524160"/>
           </a:xfrm>
           <a:prstGeom prst="bentConnector3">
             <a:avLst>
@@ -19686,7 +20718,7 @@
         <p:spPr>
           <a:xfrm>
             <a:off x="1137960" y="3772800"/>
-            <a:ext cx="3383280" cy="374400"/>
+            <a:ext cx="3382560" cy="373680"/>
           </a:xfrm>
           <a:prstGeom prst="roundRect">
             <a:avLst>
@@ -19714,7 +20746,7 @@
           <a:fontRef idx="minor"/>
         </p:style>
         <p:txBody>
-          <a:bodyPr lIns="162000" rIns="162000" tIns="338400" bIns="338400" anchor="ctr">
+          <a:bodyPr lIns="162000" rIns="162000" tIns="337680" bIns="337680" anchor="ctr">
             <a:noAutofit/>
           </a:bodyPr>
           <a:p>
@@ -19782,7 +20814,7 @@
         <p:spPr>
           <a:xfrm>
             <a:off x="560520" y="324720"/>
-            <a:ext cx="8518680" cy="1304280"/>
+            <a:ext cx="8517960" cy="1303560"/>
           </a:xfrm>
           <a:prstGeom prst="rect">
             <a:avLst/>
@@ -20351,7 +21383,7 @@
         <p:spPr>
           <a:xfrm>
             <a:off x="1628280" y="1386360"/>
-            <a:ext cx="5885640" cy="660240"/>
+            <a:ext cx="5884920" cy="659520"/>
           </a:xfrm>
           <a:prstGeom prst="roundRect">
             <a:avLst>
@@ -20451,7 +21483,7 @@
         <p:spPr>
           <a:xfrm>
             <a:off x="500400" y="330840"/>
-            <a:ext cx="8518680" cy="1094040"/>
+            <a:ext cx="8517960" cy="1093320"/>
           </a:xfrm>
           <a:prstGeom prst="rect">
             <a:avLst/>
@@ -21035,7 +22067,7 @@
                         <a:rPr b="0" lang="ru-RU" sz="1800" spc="-1" strike="noStrike">
                           <a:latin typeface="Arial"/>
                         </a:rPr>
-                        <a:t>Архитектурные паттерны: Event collaboration, Saga</a:t>
+                        <a:t>Архитектурные паттерны: Event collaboration, Saga, идемпотентность</a:t>
                       </a:r>
                       <a:endParaRPr b="0" lang="ru-RU" sz="1800" spc="-1" strike="noStrike">
                         <a:latin typeface="Arial"/>
@@ -21114,7 +22146,7 @@
         <p:spPr>
           <a:xfrm>
             <a:off x="500400" y="330840"/>
-            <a:ext cx="8518680" cy="747720"/>
+            <a:ext cx="8517960" cy="747000"/>
           </a:xfrm>
           <a:prstGeom prst="rect">
             <a:avLst/>
@@ -21167,7 +22199,7 @@
         <p:spPr>
           <a:xfrm>
             <a:off x="39960" y="18000"/>
-            <a:ext cx="9123120" cy="5142240"/>
+            <a:ext cx="9122400" cy="5141520"/>
           </a:xfrm>
           <a:prstGeom prst="rect">
             <a:avLst/>
@@ -21220,7 +22252,7 @@
         <p:spPr>
           <a:xfrm>
             <a:off x="500400" y="330840"/>
-            <a:ext cx="8518680" cy="747720"/>
+            <a:ext cx="8517960" cy="747000"/>
           </a:xfrm>
           <a:prstGeom prst="rect">
             <a:avLst/>
@@ -21273,7 +22305,7 @@
         <p:spPr>
           <a:xfrm>
             <a:off x="47520" y="900000"/>
-            <a:ext cx="9043560" cy="4242600"/>
+            <a:ext cx="9042840" cy="4241880"/>
           </a:xfrm>
           <a:prstGeom prst="rect">
             <a:avLst/>
@@ -21326,7 +22358,7 @@
         <p:spPr>
           <a:xfrm>
             <a:off x="500400" y="330840"/>
-            <a:ext cx="8518680" cy="747720"/>
+            <a:ext cx="8517960" cy="747000"/>
           </a:xfrm>
           <a:prstGeom prst="rect">
             <a:avLst/>
@@ -21379,7 +22411,7 @@
         <p:spPr>
           <a:xfrm>
             <a:off x="102240" y="979560"/>
-            <a:ext cx="8968680" cy="4104360"/>
+            <a:ext cx="8967960" cy="4103640"/>
           </a:xfrm>
           <a:prstGeom prst="rect">
             <a:avLst/>
